--- a/lecture_04.pptx
+++ b/lecture_04.pptx
@@ -242,7 +242,7 @@
             <a:fld id="{D74C362C-B8EB-FD47-9516-07D42DF4EB3B}" type="datetimeFigureOut">
               <a:rPr lang="en-US" smtClean="0"/>
               <a:pPr/>
-              <a:t>4/6/19</a:t>
+              <a:t>4/14/21</a:t>
             </a:fld>
             <a:endParaRPr lang="en-US" dirty="0"/>
           </a:p>
@@ -410,7 +410,7 @@
             <a:fld id="{C4A2F74A-12B1-374E-80C1-2FDEFD7DEBF6}" type="datetimeFigureOut">
               <a:rPr lang="en-US" smtClean="0"/>
               <a:pPr/>
-              <a:t>4/6/19</a:t>
+              <a:t>4/14/21</a:t>
             </a:fld>
             <a:endParaRPr lang="en-US" dirty="0"/>
           </a:p>
@@ -1319,7 +1319,7 @@
             <a:fld id="{BF2120F1-9931-5144-8579-2441D6C0DD32}" type="datetime1">
               <a:rPr lang="en-US" smtClean="0"/>
               <a:pPr/>
-              <a:t>4/6/19</a:t>
+              <a:t>4/14/21</a:t>
             </a:fld>
             <a:endParaRPr lang="en-US" dirty="0"/>
           </a:p>
@@ -1492,7 +1492,7 @@
             <a:fld id="{CCBA9B1B-521F-F040-A936-9C24B7C3F03A}" type="datetime1">
               <a:rPr lang="en-US" smtClean="0"/>
               <a:pPr/>
-              <a:t>4/6/19</a:t>
+              <a:t>4/14/21</a:t>
             </a:fld>
             <a:endParaRPr lang="en-US" dirty="0"/>
           </a:p>
@@ -1667,7 +1667,7 @@
             <a:fld id="{48A00697-3A82-494B-A2A9-9056C0181C76}" type="datetime1">
               <a:rPr lang="en-US" smtClean="0"/>
               <a:pPr/>
-              <a:t>4/6/19</a:t>
+              <a:t>4/14/21</a:t>
             </a:fld>
             <a:endParaRPr lang="en-US" dirty="0"/>
           </a:p>
@@ -1832,7 +1832,7 @@
             <a:fld id="{EED28DF4-C6BF-7F42-B138-795ED59850A4}" type="datetime1">
               <a:rPr lang="en-US" smtClean="0"/>
               <a:pPr/>
-              <a:t>4/6/19</a:t>
+              <a:t>4/14/21</a:t>
             </a:fld>
             <a:endParaRPr lang="en-US" dirty="0"/>
           </a:p>
@@ -2074,7 +2074,7 @@
             <a:fld id="{532AA17B-7185-6C44-A552-058DC86AD96F}" type="datetime1">
               <a:rPr lang="en-US" smtClean="0"/>
               <a:pPr/>
-              <a:t>4/6/19</a:t>
+              <a:t>4/14/21</a:t>
             </a:fld>
             <a:endParaRPr lang="en-US" dirty="0"/>
           </a:p>
@@ -2356,7 +2356,7 @@
             <a:fld id="{A2DFB613-38D3-1149-A0A4-2A57BFB6831E}" type="datetime1">
               <a:rPr lang="en-US" smtClean="0"/>
               <a:pPr/>
-              <a:t>4/6/19</a:t>
+              <a:t>4/14/21</a:t>
             </a:fld>
             <a:endParaRPr lang="en-US" dirty="0"/>
           </a:p>
@@ -2772,7 +2772,7 @@
             <a:fld id="{C091352F-42AA-1A4A-BD42-9B228A48C236}" type="datetime1">
               <a:rPr lang="en-US" smtClean="0"/>
               <a:pPr/>
-              <a:t>4/6/19</a:t>
+              <a:t>4/14/21</a:t>
             </a:fld>
             <a:endParaRPr lang="en-US" dirty="0"/>
           </a:p>
@@ -2886,7 +2886,7 @@
             <a:fld id="{2CEB281E-5358-9348-B9AE-FA8A5F98086C}" type="datetime1">
               <a:rPr lang="en-US" smtClean="0"/>
               <a:pPr/>
-              <a:t>4/6/19</a:t>
+              <a:t>4/14/21</a:t>
             </a:fld>
             <a:endParaRPr lang="en-US" dirty="0"/>
           </a:p>
@@ -2978,7 +2978,7 @@
             <a:fld id="{DE613C27-B94C-214A-AD40-E117D03A6D82}" type="datetime1">
               <a:rPr lang="en-US" smtClean="0"/>
               <a:pPr/>
-              <a:t>4/6/19</a:t>
+              <a:t>4/14/21</a:t>
             </a:fld>
             <a:endParaRPr lang="en-US" dirty="0"/>
           </a:p>
@@ -3250,7 +3250,7 @@
             <a:fld id="{9321218D-3333-E24A-A5A0-456EBB6100E7}" type="datetime1">
               <a:rPr lang="en-US" smtClean="0"/>
               <a:pPr/>
-              <a:t>4/6/19</a:t>
+              <a:t>4/14/21</a:t>
             </a:fld>
             <a:endParaRPr lang="en-US" dirty="0"/>
           </a:p>
@@ -3499,7 +3499,7 @@
             <a:fld id="{8AD4A7FE-19C1-714A-BBBC-D934D8657335}" type="datetime1">
               <a:rPr lang="en-US" smtClean="0"/>
               <a:pPr/>
-              <a:t>4/6/19</a:t>
+              <a:t>4/14/21</a:t>
             </a:fld>
             <a:endParaRPr lang="en-US" dirty="0"/>
           </a:p>
@@ -3707,7 +3707,7 @@
             <a:fld id="{9F9391EC-ACC5-D54E-8D06-C2561D95A2AA}" type="datetime1">
               <a:rPr lang="en-US" smtClean="0"/>
               <a:pPr/>
-              <a:t>4/6/19</a:t>
+              <a:t>4/14/21</a:t>
             </a:fld>
             <a:endParaRPr lang="en-US" dirty="0"/>
           </a:p>
@@ -4427,230 +4427,6 @@
   <p:clrMapOvr>
     <a:masterClrMapping/>
   </p:clrMapOvr>
-  <p:timing>
-    <p:tnLst>
-      <p:par>
-        <p:cTn id="1" dur="indefinite" restart="never" nodeType="tmRoot">
-          <p:childTnLst>
-            <p:seq concurrent="1" nextAc="seek">
-              <p:cTn id="2" dur="indefinite" nodeType="mainSeq">
-                <p:childTnLst>
-                  <p:par>
-                    <p:cTn id="3" fill="hold">
-                      <p:stCondLst>
-                        <p:cond delay="indefinite"/>
-                      </p:stCondLst>
-                      <p:childTnLst>
-                        <p:par>
-                          <p:cTn id="4" fill="hold">
-                            <p:stCondLst>
-                              <p:cond delay="0"/>
-                            </p:stCondLst>
-                            <p:childTnLst>
-                              <p:par>
-                                <p:cTn id="5" presetID="1" presetClass="entr" presetSubtype="0" fill="hold" grpId="0" nodeType="clickEffect">
-                                  <p:stCondLst>
-                                    <p:cond delay="0"/>
-                                  </p:stCondLst>
-                                  <p:childTnLst>
-                                    <p:set>
-                                      <p:cBhvr>
-                                        <p:cTn id="6" dur="1" fill="hold">
-                                          <p:stCondLst>
-                                            <p:cond delay="0"/>
-                                          </p:stCondLst>
-                                        </p:cTn>
-                                        <p:tgtEl>
-                                          <p:spTgt spid="3">
-                                            <p:txEl>
-                                              <p:pRg st="0" end="0"/>
-                                            </p:txEl>
-                                          </p:spTgt>
-                                        </p:tgtEl>
-                                        <p:attrNameLst>
-                                          <p:attrName>style.visibility</p:attrName>
-                                        </p:attrNameLst>
-                                      </p:cBhvr>
-                                      <p:to>
-                                        <p:strVal val="visible"/>
-                                      </p:to>
-                                    </p:set>
-                                  </p:childTnLst>
-                                </p:cTn>
-                              </p:par>
-                              <p:par>
-                                <p:cTn id="7" presetID="1" presetClass="entr" presetSubtype="0" fill="hold" grpId="0" nodeType="withEffect">
-                                  <p:stCondLst>
-                                    <p:cond delay="0"/>
-                                  </p:stCondLst>
-                                  <p:childTnLst>
-                                    <p:set>
-                                      <p:cBhvr>
-                                        <p:cTn id="8" dur="1" fill="hold">
-                                          <p:stCondLst>
-                                            <p:cond delay="0"/>
-                                          </p:stCondLst>
-                                        </p:cTn>
-                                        <p:tgtEl>
-                                          <p:spTgt spid="3">
-                                            <p:txEl>
-                                              <p:pRg st="1" end="1"/>
-                                            </p:txEl>
-                                          </p:spTgt>
-                                        </p:tgtEl>
-                                        <p:attrNameLst>
-                                          <p:attrName>style.visibility</p:attrName>
-                                        </p:attrNameLst>
-                                      </p:cBhvr>
-                                      <p:to>
-                                        <p:strVal val="visible"/>
-                                      </p:to>
-                                    </p:set>
-                                  </p:childTnLst>
-                                </p:cTn>
-                              </p:par>
-                              <p:par>
-                                <p:cTn id="9" presetID="1" presetClass="entr" presetSubtype="0" fill="hold" grpId="0" nodeType="withEffect">
-                                  <p:stCondLst>
-                                    <p:cond delay="0"/>
-                                  </p:stCondLst>
-                                  <p:childTnLst>
-                                    <p:set>
-                                      <p:cBhvr>
-                                        <p:cTn id="10" dur="1" fill="hold">
-                                          <p:stCondLst>
-                                            <p:cond delay="0"/>
-                                          </p:stCondLst>
-                                        </p:cTn>
-                                        <p:tgtEl>
-                                          <p:spTgt spid="3">
-                                            <p:txEl>
-                                              <p:pRg st="2" end="2"/>
-                                            </p:txEl>
-                                          </p:spTgt>
-                                        </p:tgtEl>
-                                        <p:attrNameLst>
-                                          <p:attrName>style.visibility</p:attrName>
-                                        </p:attrNameLst>
-                                      </p:cBhvr>
-                                      <p:to>
-                                        <p:strVal val="visible"/>
-                                      </p:to>
-                                    </p:set>
-                                  </p:childTnLst>
-                                </p:cTn>
-                              </p:par>
-                            </p:childTnLst>
-                          </p:cTn>
-                        </p:par>
-                      </p:childTnLst>
-                    </p:cTn>
-                  </p:par>
-                  <p:par>
-                    <p:cTn id="11" fill="hold">
-                      <p:stCondLst>
-                        <p:cond delay="indefinite"/>
-                      </p:stCondLst>
-                      <p:childTnLst>
-                        <p:par>
-                          <p:cTn id="12" fill="hold">
-                            <p:stCondLst>
-                              <p:cond delay="0"/>
-                            </p:stCondLst>
-                            <p:childTnLst>
-                              <p:par>
-                                <p:cTn id="13" presetID="1" presetClass="entr" presetSubtype="0" fill="hold" grpId="0" nodeType="clickEffect">
-                                  <p:stCondLst>
-                                    <p:cond delay="0"/>
-                                  </p:stCondLst>
-                                  <p:childTnLst>
-                                    <p:set>
-                                      <p:cBhvr>
-                                        <p:cTn id="14" dur="1" fill="hold">
-                                          <p:stCondLst>
-                                            <p:cond delay="0"/>
-                                          </p:stCondLst>
-                                        </p:cTn>
-                                        <p:tgtEl>
-                                          <p:spTgt spid="3">
-                                            <p:txEl>
-                                              <p:pRg st="3" end="3"/>
-                                            </p:txEl>
-                                          </p:spTgt>
-                                        </p:tgtEl>
-                                        <p:attrNameLst>
-                                          <p:attrName>style.visibility</p:attrName>
-                                        </p:attrNameLst>
-                                      </p:cBhvr>
-                                      <p:to>
-                                        <p:strVal val="visible"/>
-                                      </p:to>
-                                    </p:set>
-                                  </p:childTnLst>
-                                </p:cTn>
-                              </p:par>
-                              <p:par>
-                                <p:cTn id="15" presetID="1" presetClass="entr" presetSubtype="0" fill="hold" grpId="0" nodeType="withEffect">
-                                  <p:stCondLst>
-                                    <p:cond delay="0"/>
-                                  </p:stCondLst>
-                                  <p:childTnLst>
-                                    <p:set>
-                                      <p:cBhvr>
-                                        <p:cTn id="16" dur="1" fill="hold">
-                                          <p:stCondLst>
-                                            <p:cond delay="0"/>
-                                          </p:stCondLst>
-                                        </p:cTn>
-                                        <p:tgtEl>
-                                          <p:spTgt spid="3">
-                                            <p:txEl>
-                                              <p:pRg st="4" end="4"/>
-                                            </p:txEl>
-                                          </p:spTgt>
-                                        </p:tgtEl>
-                                        <p:attrNameLst>
-                                          <p:attrName>style.visibility</p:attrName>
-                                        </p:attrNameLst>
-                                      </p:cBhvr>
-                                      <p:to>
-                                        <p:strVal val="visible"/>
-                                      </p:to>
-                                    </p:set>
-                                  </p:childTnLst>
-                                </p:cTn>
-                              </p:par>
-                            </p:childTnLst>
-                          </p:cTn>
-                        </p:par>
-                      </p:childTnLst>
-                    </p:cTn>
-                  </p:par>
-                </p:childTnLst>
-              </p:cTn>
-              <p:prevCondLst>
-                <p:cond evt="onPrev" delay="0">
-                  <p:tgtEl>
-                    <p:sldTgt/>
-                  </p:tgtEl>
-                </p:cond>
-              </p:prevCondLst>
-              <p:nextCondLst>
-                <p:cond evt="onNext" delay="0">
-                  <p:tgtEl>
-                    <p:sldTgt/>
-                  </p:tgtEl>
-                </p:cond>
-              </p:nextCondLst>
-            </p:seq>
-          </p:childTnLst>
-        </p:cTn>
-      </p:par>
-    </p:tnLst>
-    <p:bldLst>
-      <p:bldP spid="3" grpId="0" build="p"/>
-    </p:bldLst>
-  </p:timing>
 </p:sld>
 </file>
 
@@ -4827,292 +4603,6 @@
   <p:clrMapOvr>
     <a:masterClrMapping/>
   </p:clrMapOvr>
-  <p:timing>
-    <p:tnLst>
-      <p:par>
-        <p:cTn id="1" dur="indefinite" restart="never" nodeType="tmRoot">
-          <p:childTnLst>
-            <p:seq concurrent="1" nextAc="seek">
-              <p:cTn id="2" dur="indefinite" nodeType="mainSeq">
-                <p:childTnLst>
-                  <p:par>
-                    <p:cTn id="3" fill="hold">
-                      <p:stCondLst>
-                        <p:cond delay="indefinite"/>
-                      </p:stCondLst>
-                      <p:childTnLst>
-                        <p:par>
-                          <p:cTn id="4" fill="hold">
-                            <p:stCondLst>
-                              <p:cond delay="0"/>
-                            </p:stCondLst>
-                            <p:childTnLst>
-                              <p:par>
-                                <p:cTn id="5" presetID="1" presetClass="entr" presetSubtype="0" fill="hold" grpId="0" nodeType="clickEffect">
-                                  <p:stCondLst>
-                                    <p:cond delay="0"/>
-                                  </p:stCondLst>
-                                  <p:childTnLst>
-                                    <p:set>
-                                      <p:cBhvr>
-                                        <p:cTn id="6" dur="1" fill="hold">
-                                          <p:stCondLst>
-                                            <p:cond delay="0"/>
-                                          </p:stCondLst>
-                                        </p:cTn>
-                                        <p:tgtEl>
-                                          <p:spTgt spid="3">
-                                            <p:txEl>
-                                              <p:pRg st="0" end="0"/>
-                                            </p:txEl>
-                                          </p:spTgt>
-                                        </p:tgtEl>
-                                        <p:attrNameLst>
-                                          <p:attrName>style.visibility</p:attrName>
-                                        </p:attrNameLst>
-                                      </p:cBhvr>
-                                      <p:to>
-                                        <p:strVal val="visible"/>
-                                      </p:to>
-                                    </p:set>
-                                  </p:childTnLst>
-                                </p:cTn>
-                              </p:par>
-                              <p:par>
-                                <p:cTn id="7" presetID="1" presetClass="entr" presetSubtype="0" fill="hold" grpId="0" nodeType="withEffect">
-                                  <p:stCondLst>
-                                    <p:cond delay="0"/>
-                                  </p:stCondLst>
-                                  <p:childTnLst>
-                                    <p:set>
-                                      <p:cBhvr>
-                                        <p:cTn id="8" dur="1" fill="hold">
-                                          <p:stCondLst>
-                                            <p:cond delay="0"/>
-                                          </p:stCondLst>
-                                        </p:cTn>
-                                        <p:tgtEl>
-                                          <p:spTgt spid="3">
-                                            <p:txEl>
-                                              <p:pRg st="1" end="1"/>
-                                            </p:txEl>
-                                          </p:spTgt>
-                                        </p:tgtEl>
-                                        <p:attrNameLst>
-                                          <p:attrName>style.visibility</p:attrName>
-                                        </p:attrNameLst>
-                                      </p:cBhvr>
-                                      <p:to>
-                                        <p:strVal val="visible"/>
-                                      </p:to>
-                                    </p:set>
-                                  </p:childTnLst>
-                                </p:cTn>
-                              </p:par>
-                              <p:par>
-                                <p:cTn id="9" presetID="1" presetClass="entr" presetSubtype="0" fill="hold" grpId="0" nodeType="withEffect">
-                                  <p:stCondLst>
-                                    <p:cond delay="0"/>
-                                  </p:stCondLst>
-                                  <p:childTnLst>
-                                    <p:set>
-                                      <p:cBhvr>
-                                        <p:cTn id="10" dur="1" fill="hold">
-                                          <p:stCondLst>
-                                            <p:cond delay="0"/>
-                                          </p:stCondLst>
-                                        </p:cTn>
-                                        <p:tgtEl>
-                                          <p:spTgt spid="3">
-                                            <p:txEl>
-                                              <p:pRg st="2" end="2"/>
-                                            </p:txEl>
-                                          </p:spTgt>
-                                        </p:tgtEl>
-                                        <p:attrNameLst>
-                                          <p:attrName>style.visibility</p:attrName>
-                                        </p:attrNameLst>
-                                      </p:cBhvr>
-                                      <p:to>
-                                        <p:strVal val="visible"/>
-                                      </p:to>
-                                    </p:set>
-                                  </p:childTnLst>
-                                </p:cTn>
-                              </p:par>
-                              <p:par>
-                                <p:cTn id="11" presetID="1" presetClass="entr" presetSubtype="0" fill="hold" grpId="0" nodeType="withEffect">
-                                  <p:stCondLst>
-                                    <p:cond delay="0"/>
-                                  </p:stCondLst>
-                                  <p:childTnLst>
-                                    <p:set>
-                                      <p:cBhvr>
-                                        <p:cTn id="12" dur="1" fill="hold">
-                                          <p:stCondLst>
-                                            <p:cond delay="0"/>
-                                          </p:stCondLst>
-                                        </p:cTn>
-                                        <p:tgtEl>
-                                          <p:spTgt spid="3">
-                                            <p:txEl>
-                                              <p:pRg st="3" end="3"/>
-                                            </p:txEl>
-                                          </p:spTgt>
-                                        </p:tgtEl>
-                                        <p:attrNameLst>
-                                          <p:attrName>style.visibility</p:attrName>
-                                        </p:attrNameLst>
-                                      </p:cBhvr>
-                                      <p:to>
-                                        <p:strVal val="visible"/>
-                                      </p:to>
-                                    </p:set>
-                                  </p:childTnLst>
-                                </p:cTn>
-                              </p:par>
-                            </p:childTnLst>
-                          </p:cTn>
-                        </p:par>
-                      </p:childTnLst>
-                    </p:cTn>
-                  </p:par>
-                  <p:par>
-                    <p:cTn id="13" fill="hold">
-                      <p:stCondLst>
-                        <p:cond delay="indefinite"/>
-                      </p:stCondLst>
-                      <p:childTnLst>
-                        <p:par>
-                          <p:cTn id="14" fill="hold">
-                            <p:stCondLst>
-                              <p:cond delay="0"/>
-                            </p:stCondLst>
-                            <p:childTnLst>
-                              <p:par>
-                                <p:cTn id="15" presetID="1" presetClass="entr" presetSubtype="0" fill="hold" grpId="0" nodeType="clickEffect">
-                                  <p:stCondLst>
-                                    <p:cond delay="0"/>
-                                  </p:stCondLst>
-                                  <p:childTnLst>
-                                    <p:set>
-                                      <p:cBhvr>
-                                        <p:cTn id="16" dur="1" fill="hold">
-                                          <p:stCondLst>
-                                            <p:cond delay="0"/>
-                                          </p:stCondLst>
-                                        </p:cTn>
-                                        <p:tgtEl>
-                                          <p:spTgt spid="3">
-                                            <p:txEl>
-                                              <p:pRg st="4" end="4"/>
-                                            </p:txEl>
-                                          </p:spTgt>
-                                        </p:tgtEl>
-                                        <p:attrNameLst>
-                                          <p:attrName>style.visibility</p:attrName>
-                                        </p:attrNameLst>
-                                      </p:cBhvr>
-                                      <p:to>
-                                        <p:strVal val="visible"/>
-                                      </p:to>
-                                    </p:set>
-                                  </p:childTnLst>
-                                </p:cTn>
-                              </p:par>
-                              <p:par>
-                                <p:cTn id="17" presetID="1" presetClass="entr" presetSubtype="0" fill="hold" grpId="0" nodeType="withEffect">
-                                  <p:stCondLst>
-                                    <p:cond delay="0"/>
-                                  </p:stCondLst>
-                                  <p:childTnLst>
-                                    <p:set>
-                                      <p:cBhvr>
-                                        <p:cTn id="18" dur="1" fill="hold">
-                                          <p:stCondLst>
-                                            <p:cond delay="0"/>
-                                          </p:stCondLst>
-                                        </p:cTn>
-                                        <p:tgtEl>
-                                          <p:spTgt spid="3">
-                                            <p:txEl>
-                                              <p:pRg st="5" end="5"/>
-                                            </p:txEl>
-                                          </p:spTgt>
-                                        </p:tgtEl>
-                                        <p:attrNameLst>
-                                          <p:attrName>style.visibility</p:attrName>
-                                        </p:attrNameLst>
-                                      </p:cBhvr>
-                                      <p:to>
-                                        <p:strVal val="visible"/>
-                                      </p:to>
-                                    </p:set>
-                                  </p:childTnLst>
-                                </p:cTn>
-                              </p:par>
-                              <p:par>
-                                <p:cTn id="19" presetID="1" presetClass="entr" presetSubtype="0" fill="hold" grpId="0" nodeType="withEffect">
-                                  <p:stCondLst>
-                                    <p:cond delay="0"/>
-                                  </p:stCondLst>
-                                  <p:childTnLst>
-                                    <p:set>
-                                      <p:cBhvr>
-                                        <p:cTn id="20" dur="1" fill="hold">
-                                          <p:stCondLst>
-                                            <p:cond delay="0"/>
-                                          </p:stCondLst>
-                                        </p:cTn>
-                                        <p:tgtEl>
-                                          <p:spTgt spid="3">
-                                            <p:txEl>
-                                              <p:pRg st="6" end="6"/>
-                                            </p:txEl>
-                                          </p:spTgt>
-                                        </p:tgtEl>
-                                        <p:attrNameLst>
-                                          <p:attrName>style.visibility</p:attrName>
-                                        </p:attrNameLst>
-                                      </p:cBhvr>
-                                      <p:to>
-                                        <p:strVal val="visible"/>
-                                      </p:to>
-                                    </p:set>
-                                  </p:childTnLst>
-                                </p:cTn>
-                              </p:par>
-                            </p:childTnLst>
-                          </p:cTn>
-                        </p:par>
-                      </p:childTnLst>
-                    </p:cTn>
-                  </p:par>
-                </p:childTnLst>
-              </p:cTn>
-              <p:prevCondLst>
-                <p:cond evt="onPrev" delay="0">
-                  <p:tgtEl>
-                    <p:sldTgt/>
-                  </p:tgtEl>
-                </p:cond>
-              </p:prevCondLst>
-              <p:nextCondLst>
-                <p:cond evt="onNext" delay="0">
-                  <p:tgtEl>
-                    <p:sldTgt/>
-                  </p:tgtEl>
-                </p:cond>
-              </p:nextCondLst>
-            </p:seq>
-          </p:childTnLst>
-        </p:cTn>
-      </p:par>
-    </p:tnLst>
-    <p:bldLst>
-      <p:bldP spid="3" grpId="0" build="p"/>
-    </p:bldLst>
-  </p:timing>
 </p:sld>
 </file>
 
@@ -5269,230 +4759,6 @@
   <p:clrMapOvr>
     <a:masterClrMapping/>
   </p:clrMapOvr>
-  <p:timing>
-    <p:tnLst>
-      <p:par>
-        <p:cTn id="1" dur="indefinite" restart="never" nodeType="tmRoot">
-          <p:childTnLst>
-            <p:seq concurrent="1" nextAc="seek">
-              <p:cTn id="2" dur="indefinite" nodeType="mainSeq">
-                <p:childTnLst>
-                  <p:par>
-                    <p:cTn id="3" fill="hold">
-                      <p:stCondLst>
-                        <p:cond delay="indefinite"/>
-                      </p:stCondLst>
-                      <p:childTnLst>
-                        <p:par>
-                          <p:cTn id="4" fill="hold">
-                            <p:stCondLst>
-                              <p:cond delay="0"/>
-                            </p:stCondLst>
-                            <p:childTnLst>
-                              <p:par>
-                                <p:cTn id="5" presetID="1" presetClass="entr" presetSubtype="0" fill="hold" grpId="0" nodeType="clickEffect">
-                                  <p:stCondLst>
-                                    <p:cond delay="0"/>
-                                  </p:stCondLst>
-                                  <p:childTnLst>
-                                    <p:set>
-                                      <p:cBhvr>
-                                        <p:cTn id="6" dur="1" fill="hold">
-                                          <p:stCondLst>
-                                            <p:cond delay="0"/>
-                                          </p:stCondLst>
-                                        </p:cTn>
-                                        <p:tgtEl>
-                                          <p:spTgt spid="3">
-                                            <p:txEl>
-                                              <p:pRg st="0" end="0"/>
-                                            </p:txEl>
-                                          </p:spTgt>
-                                        </p:tgtEl>
-                                        <p:attrNameLst>
-                                          <p:attrName>style.visibility</p:attrName>
-                                        </p:attrNameLst>
-                                      </p:cBhvr>
-                                      <p:to>
-                                        <p:strVal val="visible"/>
-                                      </p:to>
-                                    </p:set>
-                                  </p:childTnLst>
-                                </p:cTn>
-                              </p:par>
-                              <p:par>
-                                <p:cTn id="7" presetID="1" presetClass="entr" presetSubtype="0" fill="hold" grpId="0" nodeType="withEffect">
-                                  <p:stCondLst>
-                                    <p:cond delay="0"/>
-                                  </p:stCondLst>
-                                  <p:childTnLst>
-                                    <p:set>
-                                      <p:cBhvr>
-                                        <p:cTn id="8" dur="1" fill="hold">
-                                          <p:stCondLst>
-                                            <p:cond delay="0"/>
-                                          </p:stCondLst>
-                                        </p:cTn>
-                                        <p:tgtEl>
-                                          <p:spTgt spid="3">
-                                            <p:txEl>
-                                              <p:pRg st="1" end="1"/>
-                                            </p:txEl>
-                                          </p:spTgt>
-                                        </p:tgtEl>
-                                        <p:attrNameLst>
-                                          <p:attrName>style.visibility</p:attrName>
-                                        </p:attrNameLst>
-                                      </p:cBhvr>
-                                      <p:to>
-                                        <p:strVal val="visible"/>
-                                      </p:to>
-                                    </p:set>
-                                  </p:childTnLst>
-                                </p:cTn>
-                              </p:par>
-                              <p:par>
-                                <p:cTn id="9" presetID="1" presetClass="entr" presetSubtype="0" fill="hold" grpId="0" nodeType="withEffect">
-                                  <p:stCondLst>
-                                    <p:cond delay="0"/>
-                                  </p:stCondLst>
-                                  <p:childTnLst>
-                                    <p:set>
-                                      <p:cBhvr>
-                                        <p:cTn id="10" dur="1" fill="hold">
-                                          <p:stCondLst>
-                                            <p:cond delay="0"/>
-                                          </p:stCondLst>
-                                        </p:cTn>
-                                        <p:tgtEl>
-                                          <p:spTgt spid="3">
-                                            <p:txEl>
-                                              <p:pRg st="2" end="2"/>
-                                            </p:txEl>
-                                          </p:spTgt>
-                                        </p:tgtEl>
-                                        <p:attrNameLst>
-                                          <p:attrName>style.visibility</p:attrName>
-                                        </p:attrNameLst>
-                                      </p:cBhvr>
-                                      <p:to>
-                                        <p:strVal val="visible"/>
-                                      </p:to>
-                                    </p:set>
-                                  </p:childTnLst>
-                                </p:cTn>
-                              </p:par>
-                            </p:childTnLst>
-                          </p:cTn>
-                        </p:par>
-                      </p:childTnLst>
-                    </p:cTn>
-                  </p:par>
-                  <p:par>
-                    <p:cTn id="11" fill="hold">
-                      <p:stCondLst>
-                        <p:cond delay="indefinite"/>
-                      </p:stCondLst>
-                      <p:childTnLst>
-                        <p:par>
-                          <p:cTn id="12" fill="hold">
-                            <p:stCondLst>
-                              <p:cond delay="0"/>
-                            </p:stCondLst>
-                            <p:childTnLst>
-                              <p:par>
-                                <p:cTn id="13" presetID="1" presetClass="entr" presetSubtype="0" fill="hold" grpId="0" nodeType="clickEffect">
-                                  <p:stCondLst>
-                                    <p:cond delay="0"/>
-                                  </p:stCondLst>
-                                  <p:childTnLst>
-                                    <p:set>
-                                      <p:cBhvr>
-                                        <p:cTn id="14" dur="1" fill="hold">
-                                          <p:stCondLst>
-                                            <p:cond delay="0"/>
-                                          </p:stCondLst>
-                                        </p:cTn>
-                                        <p:tgtEl>
-                                          <p:spTgt spid="3">
-                                            <p:txEl>
-                                              <p:pRg st="3" end="3"/>
-                                            </p:txEl>
-                                          </p:spTgt>
-                                        </p:tgtEl>
-                                        <p:attrNameLst>
-                                          <p:attrName>style.visibility</p:attrName>
-                                        </p:attrNameLst>
-                                      </p:cBhvr>
-                                      <p:to>
-                                        <p:strVal val="visible"/>
-                                      </p:to>
-                                    </p:set>
-                                  </p:childTnLst>
-                                </p:cTn>
-                              </p:par>
-                              <p:par>
-                                <p:cTn id="15" presetID="1" presetClass="entr" presetSubtype="0" fill="hold" grpId="0" nodeType="withEffect">
-                                  <p:stCondLst>
-                                    <p:cond delay="0"/>
-                                  </p:stCondLst>
-                                  <p:childTnLst>
-                                    <p:set>
-                                      <p:cBhvr>
-                                        <p:cTn id="16" dur="1" fill="hold">
-                                          <p:stCondLst>
-                                            <p:cond delay="0"/>
-                                          </p:stCondLst>
-                                        </p:cTn>
-                                        <p:tgtEl>
-                                          <p:spTgt spid="3">
-                                            <p:txEl>
-                                              <p:pRg st="4" end="4"/>
-                                            </p:txEl>
-                                          </p:spTgt>
-                                        </p:tgtEl>
-                                        <p:attrNameLst>
-                                          <p:attrName>style.visibility</p:attrName>
-                                        </p:attrNameLst>
-                                      </p:cBhvr>
-                                      <p:to>
-                                        <p:strVal val="visible"/>
-                                      </p:to>
-                                    </p:set>
-                                  </p:childTnLst>
-                                </p:cTn>
-                              </p:par>
-                            </p:childTnLst>
-                          </p:cTn>
-                        </p:par>
-                      </p:childTnLst>
-                    </p:cTn>
-                  </p:par>
-                </p:childTnLst>
-              </p:cTn>
-              <p:prevCondLst>
-                <p:cond evt="onPrev" delay="0">
-                  <p:tgtEl>
-                    <p:sldTgt/>
-                  </p:tgtEl>
-                </p:cond>
-              </p:prevCondLst>
-              <p:nextCondLst>
-                <p:cond evt="onNext" delay="0">
-                  <p:tgtEl>
-                    <p:sldTgt/>
-                  </p:tgtEl>
-                </p:cond>
-              </p:nextCondLst>
-            </p:seq>
-          </p:childTnLst>
-        </p:cTn>
-      </p:par>
-    </p:tnLst>
-    <p:bldLst>
-      <p:bldP spid="3" grpId="0" build="p"/>
-    </p:bldLst>
-  </p:timing>
 </p:sld>
 </file>
 
@@ -5710,307 +4976,6 @@
   <p:clrMapOvr>
     <a:masterClrMapping/>
   </p:clrMapOvr>
-  <p:timing>
-    <p:tnLst>
-      <p:par>
-        <p:cTn id="1" dur="indefinite" restart="never" nodeType="tmRoot">
-          <p:childTnLst>
-            <p:seq concurrent="1" nextAc="seek">
-              <p:cTn id="2" dur="indefinite" nodeType="mainSeq">
-                <p:childTnLst>
-                  <p:par>
-                    <p:cTn id="3" fill="hold">
-                      <p:stCondLst>
-                        <p:cond delay="indefinite"/>
-                      </p:stCondLst>
-                      <p:childTnLst>
-                        <p:par>
-                          <p:cTn id="4" fill="hold">
-                            <p:stCondLst>
-                              <p:cond delay="0"/>
-                            </p:stCondLst>
-                            <p:childTnLst>
-                              <p:par>
-                                <p:cTn id="5" presetID="1" presetClass="entr" presetSubtype="0" fill="hold" grpId="0" nodeType="clickEffect">
-                                  <p:stCondLst>
-                                    <p:cond delay="0"/>
-                                  </p:stCondLst>
-                                  <p:childTnLst>
-                                    <p:set>
-                                      <p:cBhvr>
-                                        <p:cTn id="6" dur="1" fill="hold">
-                                          <p:stCondLst>
-                                            <p:cond delay="0"/>
-                                          </p:stCondLst>
-                                        </p:cTn>
-                                        <p:tgtEl>
-                                          <p:spTgt spid="3">
-                                            <p:txEl>
-                                              <p:pRg st="0" end="0"/>
-                                            </p:txEl>
-                                          </p:spTgt>
-                                        </p:tgtEl>
-                                        <p:attrNameLst>
-                                          <p:attrName>style.visibility</p:attrName>
-                                        </p:attrNameLst>
-                                      </p:cBhvr>
-                                      <p:to>
-                                        <p:strVal val="visible"/>
-                                      </p:to>
-                                    </p:set>
-                                  </p:childTnLst>
-                                </p:cTn>
-                              </p:par>
-                              <p:par>
-                                <p:cTn id="7" presetID="1" presetClass="entr" presetSubtype="0" fill="hold" grpId="0" nodeType="withEffect">
-                                  <p:stCondLst>
-                                    <p:cond delay="0"/>
-                                  </p:stCondLst>
-                                  <p:childTnLst>
-                                    <p:set>
-                                      <p:cBhvr>
-                                        <p:cTn id="8" dur="1" fill="hold">
-                                          <p:stCondLst>
-                                            <p:cond delay="0"/>
-                                          </p:stCondLst>
-                                        </p:cTn>
-                                        <p:tgtEl>
-                                          <p:spTgt spid="3">
-                                            <p:txEl>
-                                              <p:pRg st="1" end="1"/>
-                                            </p:txEl>
-                                          </p:spTgt>
-                                        </p:tgtEl>
-                                        <p:attrNameLst>
-                                          <p:attrName>style.visibility</p:attrName>
-                                        </p:attrNameLst>
-                                      </p:cBhvr>
-                                      <p:to>
-                                        <p:strVal val="visible"/>
-                                      </p:to>
-                                    </p:set>
-                                  </p:childTnLst>
-                                </p:cTn>
-                              </p:par>
-                              <p:par>
-                                <p:cTn id="9" presetID="1" presetClass="entr" presetSubtype="0" fill="hold" grpId="0" nodeType="withEffect">
-                                  <p:stCondLst>
-                                    <p:cond delay="0"/>
-                                  </p:stCondLst>
-                                  <p:childTnLst>
-                                    <p:set>
-                                      <p:cBhvr>
-                                        <p:cTn id="10" dur="1" fill="hold">
-                                          <p:stCondLst>
-                                            <p:cond delay="0"/>
-                                          </p:stCondLst>
-                                        </p:cTn>
-                                        <p:tgtEl>
-                                          <p:spTgt spid="3">
-                                            <p:txEl>
-                                              <p:pRg st="2" end="2"/>
-                                            </p:txEl>
-                                          </p:spTgt>
-                                        </p:tgtEl>
-                                        <p:attrNameLst>
-                                          <p:attrName>style.visibility</p:attrName>
-                                        </p:attrNameLst>
-                                      </p:cBhvr>
-                                      <p:to>
-                                        <p:strVal val="visible"/>
-                                      </p:to>
-                                    </p:set>
-                                  </p:childTnLst>
-                                </p:cTn>
-                              </p:par>
-                              <p:par>
-                                <p:cTn id="11" presetID="1" presetClass="entr" presetSubtype="0" fill="hold" grpId="0" nodeType="withEffect">
-                                  <p:stCondLst>
-                                    <p:cond delay="0"/>
-                                  </p:stCondLst>
-                                  <p:childTnLst>
-                                    <p:set>
-                                      <p:cBhvr>
-                                        <p:cTn id="12" dur="1" fill="hold">
-                                          <p:stCondLst>
-                                            <p:cond delay="0"/>
-                                          </p:stCondLst>
-                                        </p:cTn>
-                                        <p:tgtEl>
-                                          <p:spTgt spid="3">
-                                            <p:txEl>
-                                              <p:pRg st="3" end="3"/>
-                                            </p:txEl>
-                                          </p:spTgt>
-                                        </p:tgtEl>
-                                        <p:attrNameLst>
-                                          <p:attrName>style.visibility</p:attrName>
-                                        </p:attrNameLst>
-                                      </p:cBhvr>
-                                      <p:to>
-                                        <p:strVal val="visible"/>
-                                      </p:to>
-                                    </p:set>
-                                  </p:childTnLst>
-                                </p:cTn>
-                              </p:par>
-                            </p:childTnLst>
-                          </p:cTn>
-                        </p:par>
-                      </p:childTnLst>
-                    </p:cTn>
-                  </p:par>
-                  <p:par>
-                    <p:cTn id="13" fill="hold">
-                      <p:stCondLst>
-                        <p:cond delay="indefinite"/>
-                      </p:stCondLst>
-                      <p:childTnLst>
-                        <p:par>
-                          <p:cTn id="14" fill="hold">
-                            <p:stCondLst>
-                              <p:cond delay="0"/>
-                            </p:stCondLst>
-                            <p:childTnLst>
-                              <p:par>
-                                <p:cTn id="15" presetID="1" presetClass="entr" presetSubtype="0" fill="hold" grpId="0" nodeType="clickEffect">
-                                  <p:stCondLst>
-                                    <p:cond delay="0"/>
-                                  </p:stCondLst>
-                                  <p:childTnLst>
-                                    <p:set>
-                                      <p:cBhvr>
-                                        <p:cTn id="16" dur="1" fill="hold">
-                                          <p:stCondLst>
-                                            <p:cond delay="0"/>
-                                          </p:stCondLst>
-                                        </p:cTn>
-                                        <p:tgtEl>
-                                          <p:spTgt spid="3">
-                                            <p:txEl>
-                                              <p:pRg st="4" end="4"/>
-                                            </p:txEl>
-                                          </p:spTgt>
-                                        </p:tgtEl>
-                                        <p:attrNameLst>
-                                          <p:attrName>style.visibility</p:attrName>
-                                        </p:attrNameLst>
-                                      </p:cBhvr>
-                                      <p:to>
-                                        <p:strVal val="visible"/>
-                                      </p:to>
-                                    </p:set>
-                                  </p:childTnLst>
-                                </p:cTn>
-                              </p:par>
-                              <p:par>
-                                <p:cTn id="17" presetID="1" presetClass="entr" presetSubtype="0" fill="hold" grpId="0" nodeType="withEffect">
-                                  <p:stCondLst>
-                                    <p:cond delay="0"/>
-                                  </p:stCondLst>
-                                  <p:childTnLst>
-                                    <p:set>
-                                      <p:cBhvr>
-                                        <p:cTn id="18" dur="1" fill="hold">
-                                          <p:stCondLst>
-                                            <p:cond delay="0"/>
-                                          </p:stCondLst>
-                                        </p:cTn>
-                                        <p:tgtEl>
-                                          <p:spTgt spid="3">
-                                            <p:txEl>
-                                              <p:pRg st="5" end="5"/>
-                                            </p:txEl>
-                                          </p:spTgt>
-                                        </p:tgtEl>
-                                        <p:attrNameLst>
-                                          <p:attrName>style.visibility</p:attrName>
-                                        </p:attrNameLst>
-                                      </p:cBhvr>
-                                      <p:to>
-                                        <p:strVal val="visible"/>
-                                      </p:to>
-                                    </p:set>
-                                  </p:childTnLst>
-                                </p:cTn>
-                              </p:par>
-                            </p:childTnLst>
-                          </p:cTn>
-                        </p:par>
-                      </p:childTnLst>
-                    </p:cTn>
-                  </p:par>
-                  <p:par>
-                    <p:cTn id="19" fill="hold">
-                      <p:stCondLst>
-                        <p:cond delay="indefinite"/>
-                      </p:stCondLst>
-                      <p:childTnLst>
-                        <p:par>
-                          <p:cTn id="20" fill="hold">
-                            <p:stCondLst>
-                              <p:cond delay="0"/>
-                            </p:stCondLst>
-                            <p:childTnLst>
-                              <p:par>
-                                <p:cTn id="21" presetID="1" presetClass="entr" presetSubtype="0" fill="hold" grpId="0" nodeType="clickEffect">
-                                  <p:stCondLst>
-                                    <p:cond delay="0"/>
-                                  </p:stCondLst>
-                                  <p:childTnLst>
-                                    <p:set>
-                                      <p:cBhvr>
-                                        <p:cTn id="22" dur="1" fill="hold">
-                                          <p:stCondLst>
-                                            <p:cond delay="0"/>
-                                          </p:stCondLst>
-                                        </p:cTn>
-                                        <p:tgtEl>
-                                          <p:spTgt spid="6"/>
-                                        </p:tgtEl>
-                                        <p:attrNameLst>
-                                          <p:attrName>style.visibility</p:attrName>
-                                        </p:attrNameLst>
-                                      </p:cBhvr>
-                                      <p:to>
-                                        <p:strVal val="visible"/>
-                                      </p:to>
-                                    </p:set>
-                                  </p:childTnLst>
-                                </p:cTn>
-                              </p:par>
-                            </p:childTnLst>
-                          </p:cTn>
-                        </p:par>
-                      </p:childTnLst>
-                    </p:cTn>
-                  </p:par>
-                </p:childTnLst>
-              </p:cTn>
-              <p:prevCondLst>
-                <p:cond evt="onPrev" delay="0">
-                  <p:tgtEl>
-                    <p:sldTgt/>
-                  </p:tgtEl>
-                </p:cond>
-              </p:prevCondLst>
-              <p:nextCondLst>
-                <p:cond evt="onNext" delay="0">
-                  <p:tgtEl>
-                    <p:sldTgt/>
-                  </p:tgtEl>
-                </p:cond>
-              </p:nextCondLst>
-            </p:seq>
-          </p:childTnLst>
-        </p:cTn>
-      </p:par>
-    </p:tnLst>
-    <p:bldLst>
-      <p:bldP spid="3" grpId="0" build="p"/>
-      <p:bldP spid="6" grpId="0" animBg="1"/>
-    </p:bldLst>
-  </p:timing>
 </p:sld>
 </file>
 
@@ -6167,230 +5132,6 @@
   <p:clrMapOvr>
     <a:masterClrMapping/>
   </p:clrMapOvr>
-  <p:timing>
-    <p:tnLst>
-      <p:par>
-        <p:cTn id="1" dur="indefinite" restart="never" nodeType="tmRoot">
-          <p:childTnLst>
-            <p:seq concurrent="1" nextAc="seek">
-              <p:cTn id="2" dur="indefinite" nodeType="mainSeq">
-                <p:childTnLst>
-                  <p:par>
-                    <p:cTn id="3" fill="hold">
-                      <p:stCondLst>
-                        <p:cond delay="indefinite"/>
-                      </p:stCondLst>
-                      <p:childTnLst>
-                        <p:par>
-                          <p:cTn id="4" fill="hold">
-                            <p:stCondLst>
-                              <p:cond delay="0"/>
-                            </p:stCondLst>
-                            <p:childTnLst>
-                              <p:par>
-                                <p:cTn id="5" presetID="1" presetClass="entr" presetSubtype="0" fill="hold" grpId="0" nodeType="clickEffect">
-                                  <p:stCondLst>
-                                    <p:cond delay="0"/>
-                                  </p:stCondLst>
-                                  <p:childTnLst>
-                                    <p:set>
-                                      <p:cBhvr>
-                                        <p:cTn id="6" dur="1" fill="hold">
-                                          <p:stCondLst>
-                                            <p:cond delay="0"/>
-                                          </p:stCondLst>
-                                        </p:cTn>
-                                        <p:tgtEl>
-                                          <p:spTgt spid="3">
-                                            <p:txEl>
-                                              <p:pRg st="0" end="0"/>
-                                            </p:txEl>
-                                          </p:spTgt>
-                                        </p:tgtEl>
-                                        <p:attrNameLst>
-                                          <p:attrName>style.visibility</p:attrName>
-                                        </p:attrNameLst>
-                                      </p:cBhvr>
-                                      <p:to>
-                                        <p:strVal val="visible"/>
-                                      </p:to>
-                                    </p:set>
-                                  </p:childTnLst>
-                                </p:cTn>
-                              </p:par>
-                              <p:par>
-                                <p:cTn id="7" presetID="1" presetClass="entr" presetSubtype="0" fill="hold" grpId="0" nodeType="withEffect">
-                                  <p:stCondLst>
-                                    <p:cond delay="0"/>
-                                  </p:stCondLst>
-                                  <p:childTnLst>
-                                    <p:set>
-                                      <p:cBhvr>
-                                        <p:cTn id="8" dur="1" fill="hold">
-                                          <p:stCondLst>
-                                            <p:cond delay="0"/>
-                                          </p:stCondLst>
-                                        </p:cTn>
-                                        <p:tgtEl>
-                                          <p:spTgt spid="3">
-                                            <p:txEl>
-                                              <p:pRg st="1" end="1"/>
-                                            </p:txEl>
-                                          </p:spTgt>
-                                        </p:tgtEl>
-                                        <p:attrNameLst>
-                                          <p:attrName>style.visibility</p:attrName>
-                                        </p:attrNameLst>
-                                      </p:cBhvr>
-                                      <p:to>
-                                        <p:strVal val="visible"/>
-                                      </p:to>
-                                    </p:set>
-                                  </p:childTnLst>
-                                </p:cTn>
-                              </p:par>
-                              <p:par>
-                                <p:cTn id="9" presetID="1" presetClass="entr" presetSubtype="0" fill="hold" grpId="0" nodeType="withEffect">
-                                  <p:stCondLst>
-                                    <p:cond delay="0"/>
-                                  </p:stCondLst>
-                                  <p:childTnLst>
-                                    <p:set>
-                                      <p:cBhvr>
-                                        <p:cTn id="10" dur="1" fill="hold">
-                                          <p:stCondLst>
-                                            <p:cond delay="0"/>
-                                          </p:stCondLst>
-                                        </p:cTn>
-                                        <p:tgtEl>
-                                          <p:spTgt spid="3">
-                                            <p:txEl>
-                                              <p:pRg st="2" end="2"/>
-                                            </p:txEl>
-                                          </p:spTgt>
-                                        </p:tgtEl>
-                                        <p:attrNameLst>
-                                          <p:attrName>style.visibility</p:attrName>
-                                        </p:attrNameLst>
-                                      </p:cBhvr>
-                                      <p:to>
-                                        <p:strVal val="visible"/>
-                                      </p:to>
-                                    </p:set>
-                                  </p:childTnLst>
-                                </p:cTn>
-                              </p:par>
-                            </p:childTnLst>
-                          </p:cTn>
-                        </p:par>
-                      </p:childTnLst>
-                    </p:cTn>
-                  </p:par>
-                  <p:par>
-                    <p:cTn id="11" fill="hold">
-                      <p:stCondLst>
-                        <p:cond delay="indefinite"/>
-                      </p:stCondLst>
-                      <p:childTnLst>
-                        <p:par>
-                          <p:cTn id="12" fill="hold">
-                            <p:stCondLst>
-                              <p:cond delay="0"/>
-                            </p:stCondLst>
-                            <p:childTnLst>
-                              <p:par>
-                                <p:cTn id="13" presetID="1" presetClass="entr" presetSubtype="0" fill="hold" grpId="0" nodeType="clickEffect">
-                                  <p:stCondLst>
-                                    <p:cond delay="0"/>
-                                  </p:stCondLst>
-                                  <p:childTnLst>
-                                    <p:set>
-                                      <p:cBhvr>
-                                        <p:cTn id="14" dur="1" fill="hold">
-                                          <p:stCondLst>
-                                            <p:cond delay="0"/>
-                                          </p:stCondLst>
-                                        </p:cTn>
-                                        <p:tgtEl>
-                                          <p:spTgt spid="3">
-                                            <p:txEl>
-                                              <p:pRg st="3" end="3"/>
-                                            </p:txEl>
-                                          </p:spTgt>
-                                        </p:tgtEl>
-                                        <p:attrNameLst>
-                                          <p:attrName>style.visibility</p:attrName>
-                                        </p:attrNameLst>
-                                      </p:cBhvr>
-                                      <p:to>
-                                        <p:strVal val="visible"/>
-                                      </p:to>
-                                    </p:set>
-                                  </p:childTnLst>
-                                </p:cTn>
-                              </p:par>
-                              <p:par>
-                                <p:cTn id="15" presetID="1" presetClass="entr" presetSubtype="0" fill="hold" grpId="0" nodeType="withEffect">
-                                  <p:stCondLst>
-                                    <p:cond delay="0"/>
-                                  </p:stCondLst>
-                                  <p:childTnLst>
-                                    <p:set>
-                                      <p:cBhvr>
-                                        <p:cTn id="16" dur="1" fill="hold">
-                                          <p:stCondLst>
-                                            <p:cond delay="0"/>
-                                          </p:stCondLst>
-                                        </p:cTn>
-                                        <p:tgtEl>
-                                          <p:spTgt spid="3">
-                                            <p:txEl>
-                                              <p:pRg st="4" end="4"/>
-                                            </p:txEl>
-                                          </p:spTgt>
-                                        </p:tgtEl>
-                                        <p:attrNameLst>
-                                          <p:attrName>style.visibility</p:attrName>
-                                        </p:attrNameLst>
-                                      </p:cBhvr>
-                                      <p:to>
-                                        <p:strVal val="visible"/>
-                                      </p:to>
-                                    </p:set>
-                                  </p:childTnLst>
-                                </p:cTn>
-                              </p:par>
-                            </p:childTnLst>
-                          </p:cTn>
-                        </p:par>
-                      </p:childTnLst>
-                    </p:cTn>
-                  </p:par>
-                </p:childTnLst>
-              </p:cTn>
-              <p:prevCondLst>
-                <p:cond evt="onPrev" delay="0">
-                  <p:tgtEl>
-                    <p:sldTgt/>
-                  </p:tgtEl>
-                </p:cond>
-              </p:prevCondLst>
-              <p:nextCondLst>
-                <p:cond evt="onNext" delay="0">
-                  <p:tgtEl>
-                    <p:sldTgt/>
-                  </p:tgtEl>
-                </p:cond>
-              </p:nextCondLst>
-            </p:seq>
-          </p:childTnLst>
-        </p:cTn>
-      </p:par>
-    </p:tnLst>
-    <p:bldLst>
-      <p:bldP spid="3" grpId="0" build="p"/>
-    </p:bldLst>
-  </p:timing>
 </p:sld>
 </file>
 
@@ -6637,230 +5378,6 @@
   <p:clrMapOvr>
     <a:masterClrMapping/>
   </p:clrMapOvr>
-  <p:timing>
-    <p:tnLst>
-      <p:par>
-        <p:cTn id="1" dur="indefinite" restart="never" nodeType="tmRoot">
-          <p:childTnLst>
-            <p:seq concurrent="1" nextAc="seek">
-              <p:cTn id="2" dur="indefinite" nodeType="mainSeq">
-                <p:childTnLst>
-                  <p:par>
-                    <p:cTn id="3" fill="hold">
-                      <p:stCondLst>
-                        <p:cond delay="indefinite"/>
-                      </p:stCondLst>
-                      <p:childTnLst>
-                        <p:par>
-                          <p:cTn id="4" fill="hold">
-                            <p:stCondLst>
-                              <p:cond delay="0"/>
-                            </p:stCondLst>
-                            <p:childTnLst>
-                              <p:par>
-                                <p:cTn id="5" presetID="1" presetClass="entr" presetSubtype="0" fill="hold" grpId="0" nodeType="clickEffect">
-                                  <p:stCondLst>
-                                    <p:cond delay="0"/>
-                                  </p:stCondLst>
-                                  <p:childTnLst>
-                                    <p:set>
-                                      <p:cBhvr>
-                                        <p:cTn id="6" dur="1" fill="hold">
-                                          <p:stCondLst>
-                                            <p:cond delay="0"/>
-                                          </p:stCondLst>
-                                        </p:cTn>
-                                        <p:tgtEl>
-                                          <p:spTgt spid="3">
-                                            <p:txEl>
-                                              <p:pRg st="0" end="0"/>
-                                            </p:txEl>
-                                          </p:spTgt>
-                                        </p:tgtEl>
-                                        <p:attrNameLst>
-                                          <p:attrName>style.visibility</p:attrName>
-                                        </p:attrNameLst>
-                                      </p:cBhvr>
-                                      <p:to>
-                                        <p:strVal val="visible"/>
-                                      </p:to>
-                                    </p:set>
-                                  </p:childTnLst>
-                                </p:cTn>
-                              </p:par>
-                              <p:par>
-                                <p:cTn id="7" presetID="1" presetClass="entr" presetSubtype="0" fill="hold" grpId="0" nodeType="withEffect">
-                                  <p:stCondLst>
-                                    <p:cond delay="0"/>
-                                  </p:stCondLst>
-                                  <p:childTnLst>
-                                    <p:set>
-                                      <p:cBhvr>
-                                        <p:cTn id="8" dur="1" fill="hold">
-                                          <p:stCondLst>
-                                            <p:cond delay="0"/>
-                                          </p:stCondLst>
-                                        </p:cTn>
-                                        <p:tgtEl>
-                                          <p:spTgt spid="3">
-                                            <p:txEl>
-                                              <p:pRg st="1" end="1"/>
-                                            </p:txEl>
-                                          </p:spTgt>
-                                        </p:tgtEl>
-                                        <p:attrNameLst>
-                                          <p:attrName>style.visibility</p:attrName>
-                                        </p:attrNameLst>
-                                      </p:cBhvr>
-                                      <p:to>
-                                        <p:strVal val="visible"/>
-                                      </p:to>
-                                    </p:set>
-                                  </p:childTnLst>
-                                </p:cTn>
-                              </p:par>
-                              <p:par>
-                                <p:cTn id="9" presetID="1" presetClass="entr" presetSubtype="0" fill="hold" grpId="0" nodeType="withEffect">
-                                  <p:stCondLst>
-                                    <p:cond delay="0"/>
-                                  </p:stCondLst>
-                                  <p:childTnLst>
-                                    <p:set>
-                                      <p:cBhvr>
-                                        <p:cTn id="10" dur="1" fill="hold">
-                                          <p:stCondLst>
-                                            <p:cond delay="0"/>
-                                          </p:stCondLst>
-                                        </p:cTn>
-                                        <p:tgtEl>
-                                          <p:spTgt spid="3">
-                                            <p:txEl>
-                                              <p:pRg st="2" end="2"/>
-                                            </p:txEl>
-                                          </p:spTgt>
-                                        </p:tgtEl>
-                                        <p:attrNameLst>
-                                          <p:attrName>style.visibility</p:attrName>
-                                        </p:attrNameLst>
-                                      </p:cBhvr>
-                                      <p:to>
-                                        <p:strVal val="visible"/>
-                                      </p:to>
-                                    </p:set>
-                                  </p:childTnLst>
-                                </p:cTn>
-                              </p:par>
-                            </p:childTnLst>
-                          </p:cTn>
-                        </p:par>
-                      </p:childTnLst>
-                    </p:cTn>
-                  </p:par>
-                  <p:par>
-                    <p:cTn id="11" fill="hold">
-                      <p:stCondLst>
-                        <p:cond delay="indefinite"/>
-                      </p:stCondLst>
-                      <p:childTnLst>
-                        <p:par>
-                          <p:cTn id="12" fill="hold">
-                            <p:stCondLst>
-                              <p:cond delay="0"/>
-                            </p:stCondLst>
-                            <p:childTnLst>
-                              <p:par>
-                                <p:cTn id="13" presetID="1" presetClass="entr" presetSubtype="0" fill="hold" grpId="0" nodeType="clickEffect">
-                                  <p:stCondLst>
-                                    <p:cond delay="0"/>
-                                  </p:stCondLst>
-                                  <p:childTnLst>
-                                    <p:set>
-                                      <p:cBhvr>
-                                        <p:cTn id="14" dur="1" fill="hold">
-                                          <p:stCondLst>
-                                            <p:cond delay="0"/>
-                                          </p:stCondLst>
-                                        </p:cTn>
-                                        <p:tgtEl>
-                                          <p:spTgt spid="3">
-                                            <p:txEl>
-                                              <p:pRg st="3" end="3"/>
-                                            </p:txEl>
-                                          </p:spTgt>
-                                        </p:tgtEl>
-                                        <p:attrNameLst>
-                                          <p:attrName>style.visibility</p:attrName>
-                                        </p:attrNameLst>
-                                      </p:cBhvr>
-                                      <p:to>
-                                        <p:strVal val="visible"/>
-                                      </p:to>
-                                    </p:set>
-                                  </p:childTnLst>
-                                </p:cTn>
-                              </p:par>
-                              <p:par>
-                                <p:cTn id="15" presetID="1" presetClass="entr" presetSubtype="0" fill="hold" grpId="0" nodeType="withEffect">
-                                  <p:stCondLst>
-                                    <p:cond delay="0"/>
-                                  </p:stCondLst>
-                                  <p:childTnLst>
-                                    <p:set>
-                                      <p:cBhvr>
-                                        <p:cTn id="16" dur="1" fill="hold">
-                                          <p:stCondLst>
-                                            <p:cond delay="0"/>
-                                          </p:stCondLst>
-                                        </p:cTn>
-                                        <p:tgtEl>
-                                          <p:spTgt spid="3">
-                                            <p:txEl>
-                                              <p:pRg st="4" end="4"/>
-                                            </p:txEl>
-                                          </p:spTgt>
-                                        </p:tgtEl>
-                                        <p:attrNameLst>
-                                          <p:attrName>style.visibility</p:attrName>
-                                        </p:attrNameLst>
-                                      </p:cBhvr>
-                                      <p:to>
-                                        <p:strVal val="visible"/>
-                                      </p:to>
-                                    </p:set>
-                                  </p:childTnLst>
-                                </p:cTn>
-                              </p:par>
-                            </p:childTnLst>
-                          </p:cTn>
-                        </p:par>
-                      </p:childTnLst>
-                    </p:cTn>
-                  </p:par>
-                </p:childTnLst>
-              </p:cTn>
-              <p:prevCondLst>
-                <p:cond evt="onPrev" delay="0">
-                  <p:tgtEl>
-                    <p:sldTgt/>
-                  </p:tgtEl>
-                </p:cond>
-              </p:prevCondLst>
-              <p:nextCondLst>
-                <p:cond evt="onNext" delay="0">
-                  <p:tgtEl>
-                    <p:sldTgt/>
-                  </p:tgtEl>
-                </p:cond>
-              </p:nextCondLst>
-            </p:seq>
-          </p:childTnLst>
-        </p:cTn>
-      </p:par>
-    </p:tnLst>
-    <p:bldLst>
-      <p:bldP spid="3" grpId="0" build="p"/>
-    </p:bldLst>
-  </p:timing>
 </p:sld>
 </file>
 
@@ -7038,323 +5555,6 @@
   <p:clrMapOvr>
     <a:masterClrMapping/>
   </p:clrMapOvr>
-  <p:timing>
-    <p:tnLst>
-      <p:par>
-        <p:cTn id="1" dur="indefinite" restart="never" nodeType="tmRoot">
-          <p:childTnLst>
-            <p:seq concurrent="1" nextAc="seek">
-              <p:cTn id="2" dur="indefinite" nodeType="mainSeq">
-                <p:childTnLst>
-                  <p:par>
-                    <p:cTn id="3" fill="hold">
-                      <p:stCondLst>
-                        <p:cond delay="indefinite"/>
-                      </p:stCondLst>
-                      <p:childTnLst>
-                        <p:par>
-                          <p:cTn id="4" fill="hold">
-                            <p:stCondLst>
-                              <p:cond delay="0"/>
-                            </p:stCondLst>
-                            <p:childTnLst>
-                              <p:par>
-                                <p:cTn id="5" presetID="1" presetClass="entr" presetSubtype="0" fill="hold" grpId="0" nodeType="clickEffect">
-                                  <p:stCondLst>
-                                    <p:cond delay="0"/>
-                                  </p:stCondLst>
-                                  <p:childTnLst>
-                                    <p:set>
-                                      <p:cBhvr>
-                                        <p:cTn id="6" dur="1" fill="hold">
-                                          <p:stCondLst>
-                                            <p:cond delay="0"/>
-                                          </p:stCondLst>
-                                        </p:cTn>
-                                        <p:tgtEl>
-                                          <p:spTgt spid="3">
-                                            <p:txEl>
-                                              <p:pRg st="0" end="0"/>
-                                            </p:txEl>
-                                          </p:spTgt>
-                                        </p:tgtEl>
-                                        <p:attrNameLst>
-                                          <p:attrName>style.visibility</p:attrName>
-                                        </p:attrNameLst>
-                                      </p:cBhvr>
-                                      <p:to>
-                                        <p:strVal val="visible"/>
-                                      </p:to>
-                                    </p:set>
-                                  </p:childTnLst>
-                                </p:cTn>
-                              </p:par>
-                              <p:par>
-                                <p:cTn id="7" presetID="1" presetClass="entr" presetSubtype="0" fill="hold" grpId="0" nodeType="withEffect">
-                                  <p:stCondLst>
-                                    <p:cond delay="0"/>
-                                  </p:stCondLst>
-                                  <p:childTnLst>
-                                    <p:set>
-                                      <p:cBhvr>
-                                        <p:cTn id="8" dur="1" fill="hold">
-                                          <p:stCondLst>
-                                            <p:cond delay="0"/>
-                                          </p:stCondLst>
-                                        </p:cTn>
-                                        <p:tgtEl>
-                                          <p:spTgt spid="3">
-                                            <p:txEl>
-                                              <p:pRg st="1" end="1"/>
-                                            </p:txEl>
-                                          </p:spTgt>
-                                        </p:tgtEl>
-                                        <p:attrNameLst>
-                                          <p:attrName>style.visibility</p:attrName>
-                                        </p:attrNameLst>
-                                      </p:cBhvr>
-                                      <p:to>
-                                        <p:strVal val="visible"/>
-                                      </p:to>
-                                    </p:set>
-                                  </p:childTnLst>
-                                </p:cTn>
-                              </p:par>
-                              <p:par>
-                                <p:cTn id="9" presetID="1" presetClass="entr" presetSubtype="0" fill="hold" grpId="0" nodeType="withEffect">
-                                  <p:stCondLst>
-                                    <p:cond delay="0"/>
-                                  </p:stCondLst>
-                                  <p:childTnLst>
-                                    <p:set>
-                                      <p:cBhvr>
-                                        <p:cTn id="10" dur="1" fill="hold">
-                                          <p:stCondLst>
-                                            <p:cond delay="0"/>
-                                          </p:stCondLst>
-                                        </p:cTn>
-                                        <p:tgtEl>
-                                          <p:spTgt spid="3">
-                                            <p:txEl>
-                                              <p:pRg st="2" end="2"/>
-                                            </p:txEl>
-                                          </p:spTgt>
-                                        </p:tgtEl>
-                                        <p:attrNameLst>
-                                          <p:attrName>style.visibility</p:attrName>
-                                        </p:attrNameLst>
-                                      </p:cBhvr>
-                                      <p:to>
-                                        <p:strVal val="visible"/>
-                                      </p:to>
-                                    </p:set>
-                                  </p:childTnLst>
-                                </p:cTn>
-                              </p:par>
-                              <p:par>
-                                <p:cTn id="11" presetID="1" presetClass="entr" presetSubtype="0" fill="hold" grpId="0" nodeType="withEffect">
-                                  <p:stCondLst>
-                                    <p:cond delay="0"/>
-                                  </p:stCondLst>
-                                  <p:childTnLst>
-                                    <p:set>
-                                      <p:cBhvr>
-                                        <p:cTn id="12" dur="1" fill="hold">
-                                          <p:stCondLst>
-                                            <p:cond delay="0"/>
-                                          </p:stCondLst>
-                                        </p:cTn>
-                                        <p:tgtEl>
-                                          <p:spTgt spid="3">
-                                            <p:txEl>
-                                              <p:pRg st="3" end="3"/>
-                                            </p:txEl>
-                                          </p:spTgt>
-                                        </p:tgtEl>
-                                        <p:attrNameLst>
-                                          <p:attrName>style.visibility</p:attrName>
-                                        </p:attrNameLst>
-                                      </p:cBhvr>
-                                      <p:to>
-                                        <p:strVal val="visible"/>
-                                      </p:to>
-                                    </p:set>
-                                  </p:childTnLst>
-                                </p:cTn>
-                              </p:par>
-                              <p:par>
-                                <p:cTn id="13" presetID="1" presetClass="entr" presetSubtype="0" fill="hold" grpId="0" nodeType="withEffect">
-                                  <p:stCondLst>
-                                    <p:cond delay="0"/>
-                                  </p:stCondLst>
-                                  <p:childTnLst>
-                                    <p:set>
-                                      <p:cBhvr>
-                                        <p:cTn id="14" dur="1" fill="hold">
-                                          <p:stCondLst>
-                                            <p:cond delay="0"/>
-                                          </p:stCondLst>
-                                        </p:cTn>
-                                        <p:tgtEl>
-                                          <p:spTgt spid="3">
-                                            <p:txEl>
-                                              <p:pRg st="4" end="4"/>
-                                            </p:txEl>
-                                          </p:spTgt>
-                                        </p:tgtEl>
-                                        <p:attrNameLst>
-                                          <p:attrName>style.visibility</p:attrName>
-                                        </p:attrNameLst>
-                                      </p:cBhvr>
-                                      <p:to>
-                                        <p:strVal val="visible"/>
-                                      </p:to>
-                                    </p:set>
-                                  </p:childTnLst>
-                                </p:cTn>
-                              </p:par>
-                              <p:par>
-                                <p:cTn id="15" presetID="1" presetClass="entr" presetSubtype="0" fill="hold" grpId="0" nodeType="withEffect">
-                                  <p:stCondLst>
-                                    <p:cond delay="0"/>
-                                  </p:stCondLst>
-                                  <p:childTnLst>
-                                    <p:set>
-                                      <p:cBhvr>
-                                        <p:cTn id="16" dur="1" fill="hold">
-                                          <p:stCondLst>
-                                            <p:cond delay="0"/>
-                                          </p:stCondLst>
-                                        </p:cTn>
-                                        <p:tgtEl>
-                                          <p:spTgt spid="3">
-                                            <p:txEl>
-                                              <p:pRg st="5" end="5"/>
-                                            </p:txEl>
-                                          </p:spTgt>
-                                        </p:tgtEl>
-                                        <p:attrNameLst>
-                                          <p:attrName>style.visibility</p:attrName>
-                                        </p:attrNameLst>
-                                      </p:cBhvr>
-                                      <p:to>
-                                        <p:strVal val="visible"/>
-                                      </p:to>
-                                    </p:set>
-                                  </p:childTnLst>
-                                </p:cTn>
-                              </p:par>
-                            </p:childTnLst>
-                          </p:cTn>
-                        </p:par>
-                      </p:childTnLst>
-                    </p:cTn>
-                  </p:par>
-                  <p:par>
-                    <p:cTn id="17" fill="hold">
-                      <p:stCondLst>
-                        <p:cond delay="indefinite"/>
-                      </p:stCondLst>
-                      <p:childTnLst>
-                        <p:par>
-                          <p:cTn id="18" fill="hold">
-                            <p:stCondLst>
-                              <p:cond delay="0"/>
-                            </p:stCondLst>
-                            <p:childTnLst>
-                              <p:par>
-                                <p:cTn id="19" presetID="1" presetClass="entr" presetSubtype="0" fill="hold" grpId="0" nodeType="clickEffect">
-                                  <p:stCondLst>
-                                    <p:cond delay="0"/>
-                                  </p:stCondLst>
-                                  <p:childTnLst>
-                                    <p:set>
-                                      <p:cBhvr>
-                                        <p:cTn id="20" dur="1" fill="hold">
-                                          <p:stCondLst>
-                                            <p:cond delay="0"/>
-                                          </p:stCondLst>
-                                        </p:cTn>
-                                        <p:tgtEl>
-                                          <p:spTgt spid="3">
-                                            <p:txEl>
-                                              <p:pRg st="6" end="6"/>
-                                            </p:txEl>
-                                          </p:spTgt>
-                                        </p:tgtEl>
-                                        <p:attrNameLst>
-                                          <p:attrName>style.visibility</p:attrName>
-                                        </p:attrNameLst>
-                                      </p:cBhvr>
-                                      <p:to>
-                                        <p:strVal val="visible"/>
-                                      </p:to>
-                                    </p:set>
-                                  </p:childTnLst>
-                                </p:cTn>
-                              </p:par>
-                              <p:par>
-                                <p:cTn id="21" presetID="1" presetClass="entr" presetSubtype="0" fill="hold" grpId="0" nodeType="withEffect">
-                                  <p:stCondLst>
-                                    <p:cond delay="0"/>
-                                  </p:stCondLst>
-                                  <p:childTnLst>
-                                    <p:set>
-                                      <p:cBhvr>
-                                        <p:cTn id="22" dur="1" fill="hold">
-                                          <p:stCondLst>
-                                            <p:cond delay="0"/>
-                                          </p:stCondLst>
-                                        </p:cTn>
-                                        <p:tgtEl>
-                                          <p:spTgt spid="3">
-                                            <p:txEl>
-                                              <p:pRg st="7" end="7"/>
-                                            </p:txEl>
-                                          </p:spTgt>
-                                        </p:tgtEl>
-                                        <p:attrNameLst>
-                                          <p:attrName>style.visibility</p:attrName>
-                                        </p:attrNameLst>
-                                      </p:cBhvr>
-                                      <p:to>
-                                        <p:strVal val="visible"/>
-                                      </p:to>
-                                    </p:set>
-                                  </p:childTnLst>
-                                </p:cTn>
-                              </p:par>
-                            </p:childTnLst>
-                          </p:cTn>
-                        </p:par>
-                      </p:childTnLst>
-                    </p:cTn>
-                  </p:par>
-                </p:childTnLst>
-              </p:cTn>
-              <p:prevCondLst>
-                <p:cond evt="onPrev" delay="0">
-                  <p:tgtEl>
-                    <p:sldTgt/>
-                  </p:tgtEl>
-                </p:cond>
-              </p:prevCondLst>
-              <p:nextCondLst>
-                <p:cond evt="onNext" delay="0">
-                  <p:tgtEl>
-                    <p:sldTgt/>
-                  </p:tgtEl>
-                </p:cond>
-              </p:nextCondLst>
-            </p:seq>
-          </p:childTnLst>
-        </p:cTn>
-      </p:par>
-    </p:tnLst>
-    <p:bldLst>
-      <p:bldP spid="3" grpId="0" build="p"/>
-    </p:bldLst>
-  </p:timing>
 </p:sld>
 </file>
 
@@ -7693,480 +5893,6 @@
   <p:clrMapOvr>
     <a:masterClrMapping/>
   </p:clrMapOvr>
-  <p:timing>
-    <p:tnLst>
-      <p:par>
-        <p:cTn id="1" dur="indefinite" restart="never" nodeType="tmRoot">
-          <p:childTnLst>
-            <p:seq concurrent="1" nextAc="seek">
-              <p:cTn id="2" dur="indefinite" nodeType="mainSeq">
-                <p:childTnLst>
-                  <p:par>
-                    <p:cTn id="3" fill="hold">
-                      <p:stCondLst>
-                        <p:cond delay="indefinite"/>
-                      </p:stCondLst>
-                      <p:childTnLst>
-                        <p:par>
-                          <p:cTn id="4" fill="hold">
-                            <p:stCondLst>
-                              <p:cond delay="0"/>
-                            </p:stCondLst>
-                            <p:childTnLst>
-                              <p:par>
-                                <p:cTn id="5" presetID="1" presetClass="entr" presetSubtype="0" fill="hold" grpId="0" nodeType="clickEffect">
-                                  <p:stCondLst>
-                                    <p:cond delay="0"/>
-                                  </p:stCondLst>
-                                  <p:childTnLst>
-                                    <p:set>
-                                      <p:cBhvr>
-                                        <p:cTn id="6" dur="1" fill="hold">
-                                          <p:stCondLst>
-                                            <p:cond delay="0"/>
-                                          </p:stCondLst>
-                                        </p:cTn>
-                                        <p:tgtEl>
-                                          <p:spTgt spid="3">
-                                            <p:txEl>
-                                              <p:pRg st="0" end="0"/>
-                                            </p:txEl>
-                                          </p:spTgt>
-                                        </p:tgtEl>
-                                        <p:attrNameLst>
-                                          <p:attrName>style.visibility</p:attrName>
-                                        </p:attrNameLst>
-                                      </p:cBhvr>
-                                      <p:to>
-                                        <p:strVal val="visible"/>
-                                      </p:to>
-                                    </p:set>
-                                  </p:childTnLst>
-                                </p:cTn>
-                              </p:par>
-                            </p:childTnLst>
-                          </p:cTn>
-                        </p:par>
-                      </p:childTnLst>
-                    </p:cTn>
-                  </p:par>
-                  <p:par>
-                    <p:cTn id="7" fill="hold">
-                      <p:stCondLst>
-                        <p:cond delay="indefinite"/>
-                      </p:stCondLst>
-                      <p:childTnLst>
-                        <p:par>
-                          <p:cTn id="8" fill="hold">
-                            <p:stCondLst>
-                              <p:cond delay="0"/>
-                            </p:stCondLst>
-                            <p:childTnLst>
-                              <p:par>
-                                <p:cTn id="9" presetID="1" presetClass="entr" presetSubtype="0" fill="hold" grpId="0" nodeType="clickEffect">
-                                  <p:stCondLst>
-                                    <p:cond delay="0"/>
-                                  </p:stCondLst>
-                                  <p:childTnLst>
-                                    <p:set>
-                                      <p:cBhvr>
-                                        <p:cTn id="10" dur="1" fill="hold">
-                                          <p:stCondLst>
-                                            <p:cond delay="0"/>
-                                          </p:stCondLst>
-                                        </p:cTn>
-                                        <p:tgtEl>
-                                          <p:spTgt spid="3">
-                                            <p:txEl>
-                                              <p:pRg st="1" end="1"/>
-                                            </p:txEl>
-                                          </p:spTgt>
-                                        </p:tgtEl>
-                                        <p:attrNameLst>
-                                          <p:attrName>style.visibility</p:attrName>
-                                        </p:attrNameLst>
-                                      </p:cBhvr>
-                                      <p:to>
-                                        <p:strVal val="visible"/>
-                                      </p:to>
-                                    </p:set>
-                                  </p:childTnLst>
-                                </p:cTn>
-                              </p:par>
-                            </p:childTnLst>
-                          </p:cTn>
-                        </p:par>
-                      </p:childTnLst>
-                    </p:cTn>
-                  </p:par>
-                  <p:par>
-                    <p:cTn id="11" fill="hold">
-                      <p:stCondLst>
-                        <p:cond delay="indefinite"/>
-                      </p:stCondLst>
-                      <p:childTnLst>
-                        <p:par>
-                          <p:cTn id="12" fill="hold">
-                            <p:stCondLst>
-                              <p:cond delay="0"/>
-                            </p:stCondLst>
-                            <p:childTnLst>
-                              <p:par>
-                                <p:cTn id="13" presetID="1" presetClass="entr" presetSubtype="0" fill="hold" grpId="0" nodeType="clickEffect">
-                                  <p:stCondLst>
-                                    <p:cond delay="0"/>
-                                  </p:stCondLst>
-                                  <p:childTnLst>
-                                    <p:set>
-                                      <p:cBhvr>
-                                        <p:cTn id="14" dur="1" fill="hold">
-                                          <p:stCondLst>
-                                            <p:cond delay="0"/>
-                                          </p:stCondLst>
-                                        </p:cTn>
-                                        <p:tgtEl>
-                                          <p:spTgt spid="3">
-                                            <p:txEl>
-                                              <p:pRg st="2" end="2"/>
-                                            </p:txEl>
-                                          </p:spTgt>
-                                        </p:tgtEl>
-                                        <p:attrNameLst>
-                                          <p:attrName>style.visibility</p:attrName>
-                                        </p:attrNameLst>
-                                      </p:cBhvr>
-                                      <p:to>
-                                        <p:strVal val="visible"/>
-                                      </p:to>
-                                    </p:set>
-                                  </p:childTnLst>
-                                </p:cTn>
-                              </p:par>
-                            </p:childTnLst>
-                          </p:cTn>
-                        </p:par>
-                      </p:childTnLst>
-                    </p:cTn>
-                  </p:par>
-                  <p:par>
-                    <p:cTn id="15" fill="hold">
-                      <p:stCondLst>
-                        <p:cond delay="indefinite"/>
-                      </p:stCondLst>
-                      <p:childTnLst>
-                        <p:par>
-                          <p:cTn id="16" fill="hold">
-                            <p:stCondLst>
-                              <p:cond delay="0"/>
-                            </p:stCondLst>
-                            <p:childTnLst>
-                              <p:par>
-                                <p:cTn id="17" presetID="1" presetClass="entr" presetSubtype="0" fill="hold" grpId="0" nodeType="clickEffect">
-                                  <p:stCondLst>
-                                    <p:cond delay="0"/>
-                                  </p:stCondLst>
-                                  <p:childTnLst>
-                                    <p:set>
-                                      <p:cBhvr>
-                                        <p:cTn id="18" dur="1" fill="hold">
-                                          <p:stCondLst>
-                                            <p:cond delay="0"/>
-                                          </p:stCondLst>
-                                        </p:cTn>
-                                        <p:tgtEl>
-                                          <p:spTgt spid="3">
-                                            <p:txEl>
-                                              <p:pRg st="3" end="3"/>
-                                            </p:txEl>
-                                          </p:spTgt>
-                                        </p:tgtEl>
-                                        <p:attrNameLst>
-                                          <p:attrName>style.visibility</p:attrName>
-                                        </p:attrNameLst>
-                                      </p:cBhvr>
-                                      <p:to>
-                                        <p:strVal val="visible"/>
-                                      </p:to>
-                                    </p:set>
-                                  </p:childTnLst>
-                                </p:cTn>
-                              </p:par>
-                            </p:childTnLst>
-                          </p:cTn>
-                        </p:par>
-                      </p:childTnLst>
-                    </p:cTn>
-                  </p:par>
-                  <p:par>
-                    <p:cTn id="19" fill="hold">
-                      <p:stCondLst>
-                        <p:cond delay="indefinite"/>
-                      </p:stCondLst>
-                      <p:childTnLst>
-                        <p:par>
-                          <p:cTn id="20" fill="hold">
-                            <p:stCondLst>
-                              <p:cond delay="0"/>
-                            </p:stCondLst>
-                            <p:childTnLst>
-                              <p:par>
-                                <p:cTn id="21" presetID="1" presetClass="entr" presetSubtype="0" fill="hold" grpId="0" nodeType="clickEffect">
-                                  <p:stCondLst>
-                                    <p:cond delay="0"/>
-                                  </p:stCondLst>
-                                  <p:childTnLst>
-                                    <p:set>
-                                      <p:cBhvr>
-                                        <p:cTn id="22" dur="1" fill="hold">
-                                          <p:stCondLst>
-                                            <p:cond delay="0"/>
-                                          </p:stCondLst>
-                                        </p:cTn>
-                                        <p:tgtEl>
-                                          <p:spTgt spid="3">
-                                            <p:txEl>
-                                              <p:pRg st="4" end="4"/>
-                                            </p:txEl>
-                                          </p:spTgt>
-                                        </p:tgtEl>
-                                        <p:attrNameLst>
-                                          <p:attrName>style.visibility</p:attrName>
-                                        </p:attrNameLst>
-                                      </p:cBhvr>
-                                      <p:to>
-                                        <p:strVal val="visible"/>
-                                      </p:to>
-                                    </p:set>
-                                  </p:childTnLst>
-                                </p:cTn>
-                              </p:par>
-                            </p:childTnLst>
-                          </p:cTn>
-                        </p:par>
-                      </p:childTnLst>
-                    </p:cTn>
-                  </p:par>
-                  <p:par>
-                    <p:cTn id="23" fill="hold">
-                      <p:stCondLst>
-                        <p:cond delay="indefinite"/>
-                      </p:stCondLst>
-                      <p:childTnLst>
-                        <p:par>
-                          <p:cTn id="24" fill="hold">
-                            <p:stCondLst>
-                              <p:cond delay="0"/>
-                            </p:stCondLst>
-                            <p:childTnLst>
-                              <p:par>
-                                <p:cTn id="25" presetID="1" presetClass="entr" presetSubtype="0" fill="hold" grpId="0" nodeType="clickEffect">
-                                  <p:stCondLst>
-                                    <p:cond delay="0"/>
-                                  </p:stCondLst>
-                                  <p:childTnLst>
-                                    <p:set>
-                                      <p:cBhvr>
-                                        <p:cTn id="26" dur="1" fill="hold">
-                                          <p:stCondLst>
-                                            <p:cond delay="0"/>
-                                          </p:stCondLst>
-                                        </p:cTn>
-                                        <p:tgtEl>
-                                          <p:spTgt spid="3">
-                                            <p:txEl>
-                                              <p:pRg st="5" end="5"/>
-                                            </p:txEl>
-                                          </p:spTgt>
-                                        </p:tgtEl>
-                                        <p:attrNameLst>
-                                          <p:attrName>style.visibility</p:attrName>
-                                        </p:attrNameLst>
-                                      </p:cBhvr>
-                                      <p:to>
-                                        <p:strVal val="visible"/>
-                                      </p:to>
-                                    </p:set>
-                                  </p:childTnLst>
-                                </p:cTn>
-                              </p:par>
-                            </p:childTnLst>
-                          </p:cTn>
-                        </p:par>
-                      </p:childTnLst>
-                    </p:cTn>
-                  </p:par>
-                  <p:par>
-                    <p:cTn id="27" fill="hold">
-                      <p:stCondLst>
-                        <p:cond delay="indefinite"/>
-                      </p:stCondLst>
-                      <p:childTnLst>
-                        <p:par>
-                          <p:cTn id="28" fill="hold">
-                            <p:stCondLst>
-                              <p:cond delay="0"/>
-                            </p:stCondLst>
-                            <p:childTnLst>
-                              <p:par>
-                                <p:cTn id="29" presetID="1" presetClass="entr" presetSubtype="0" fill="hold" grpId="0" nodeType="clickEffect">
-                                  <p:stCondLst>
-                                    <p:cond delay="0"/>
-                                  </p:stCondLst>
-                                  <p:childTnLst>
-                                    <p:set>
-                                      <p:cBhvr>
-                                        <p:cTn id="30" dur="1" fill="hold">
-                                          <p:stCondLst>
-                                            <p:cond delay="0"/>
-                                          </p:stCondLst>
-                                        </p:cTn>
-                                        <p:tgtEl>
-                                          <p:spTgt spid="3">
-                                            <p:txEl>
-                                              <p:pRg st="6" end="6"/>
-                                            </p:txEl>
-                                          </p:spTgt>
-                                        </p:tgtEl>
-                                        <p:attrNameLst>
-                                          <p:attrName>style.visibility</p:attrName>
-                                        </p:attrNameLst>
-                                      </p:cBhvr>
-                                      <p:to>
-                                        <p:strVal val="visible"/>
-                                      </p:to>
-                                    </p:set>
-                                  </p:childTnLst>
-                                </p:cTn>
-                              </p:par>
-                            </p:childTnLst>
-                          </p:cTn>
-                        </p:par>
-                      </p:childTnLst>
-                    </p:cTn>
-                  </p:par>
-                  <p:par>
-                    <p:cTn id="31" fill="hold">
-                      <p:stCondLst>
-                        <p:cond delay="indefinite"/>
-                      </p:stCondLst>
-                      <p:childTnLst>
-                        <p:par>
-                          <p:cTn id="32" fill="hold">
-                            <p:stCondLst>
-                              <p:cond delay="0"/>
-                            </p:stCondLst>
-                            <p:childTnLst>
-                              <p:par>
-                                <p:cTn id="33" presetID="1" presetClass="entr" presetSubtype="0" fill="hold" grpId="0" nodeType="clickEffect">
-                                  <p:stCondLst>
-                                    <p:cond delay="0"/>
-                                  </p:stCondLst>
-                                  <p:childTnLst>
-                                    <p:set>
-                                      <p:cBhvr>
-                                        <p:cTn id="34" dur="1" fill="hold">
-                                          <p:stCondLst>
-                                            <p:cond delay="0"/>
-                                          </p:stCondLst>
-                                        </p:cTn>
-                                        <p:tgtEl>
-                                          <p:spTgt spid="3">
-                                            <p:txEl>
-                                              <p:pRg st="7" end="7"/>
-                                            </p:txEl>
-                                          </p:spTgt>
-                                        </p:tgtEl>
-                                        <p:attrNameLst>
-                                          <p:attrName>style.visibility</p:attrName>
-                                        </p:attrNameLst>
-                                      </p:cBhvr>
-                                      <p:to>
-                                        <p:strVal val="visible"/>
-                                      </p:to>
-                                    </p:set>
-                                  </p:childTnLst>
-                                </p:cTn>
-                              </p:par>
-                            </p:childTnLst>
-                          </p:cTn>
-                        </p:par>
-                      </p:childTnLst>
-                    </p:cTn>
-                  </p:par>
-                  <p:par>
-                    <p:cTn id="35" fill="hold">
-                      <p:stCondLst>
-                        <p:cond delay="indefinite"/>
-                      </p:stCondLst>
-                      <p:childTnLst>
-                        <p:par>
-                          <p:cTn id="36" fill="hold">
-                            <p:stCondLst>
-                              <p:cond delay="0"/>
-                            </p:stCondLst>
-                            <p:childTnLst>
-                              <p:par>
-                                <p:cTn id="37" presetID="1" presetClass="entr" presetSubtype="0" fill="hold" grpId="0" nodeType="clickEffect">
-                                  <p:stCondLst>
-                                    <p:cond delay="0"/>
-                                  </p:stCondLst>
-                                  <p:childTnLst>
-                                    <p:set>
-                                      <p:cBhvr>
-                                        <p:cTn id="38" dur="1" fill="hold">
-                                          <p:stCondLst>
-                                            <p:cond delay="0"/>
-                                          </p:stCondLst>
-                                        </p:cTn>
-                                        <p:tgtEl>
-                                          <p:spTgt spid="3">
-                                            <p:txEl>
-                                              <p:pRg st="8" end="8"/>
-                                            </p:txEl>
-                                          </p:spTgt>
-                                        </p:tgtEl>
-                                        <p:attrNameLst>
-                                          <p:attrName>style.visibility</p:attrName>
-                                        </p:attrNameLst>
-                                      </p:cBhvr>
-                                      <p:to>
-                                        <p:strVal val="visible"/>
-                                      </p:to>
-                                    </p:set>
-                                  </p:childTnLst>
-                                </p:cTn>
-                              </p:par>
-                            </p:childTnLst>
-                          </p:cTn>
-                        </p:par>
-                      </p:childTnLst>
-                    </p:cTn>
-                  </p:par>
-                </p:childTnLst>
-              </p:cTn>
-              <p:prevCondLst>
-                <p:cond evt="onPrev" delay="0">
-                  <p:tgtEl>
-                    <p:sldTgt/>
-                  </p:tgtEl>
-                </p:cond>
-              </p:prevCondLst>
-              <p:nextCondLst>
-                <p:cond evt="onNext" delay="0">
-                  <p:tgtEl>
-                    <p:sldTgt/>
-                  </p:tgtEl>
-                </p:cond>
-              </p:nextCondLst>
-            </p:seq>
-          </p:childTnLst>
-        </p:cTn>
-      </p:par>
-    </p:tnLst>
-    <p:bldLst>
-      <p:bldP spid="3" grpId="0" uiExpand="1" build="p"/>
-    </p:bldLst>
-  </p:timing>
 </p:sld>
 </file>
 
@@ -8758,150 +6484,6 @@
   <p:clrMapOvr>
     <a:masterClrMapping/>
   </p:clrMapOvr>
-  <p:timing>
-    <p:tnLst>
-      <p:par>
-        <p:cTn id="1" dur="indefinite" restart="never" nodeType="tmRoot">
-          <p:childTnLst>
-            <p:seq concurrent="1" nextAc="seek">
-              <p:cTn id="2" dur="indefinite" nodeType="mainSeq">
-                <p:childTnLst>
-                  <p:par>
-                    <p:cTn id="3" fill="hold">
-                      <p:stCondLst>
-                        <p:cond delay="indefinite"/>
-                      </p:stCondLst>
-                      <p:childTnLst>
-                        <p:par>
-                          <p:cTn id="4" fill="hold">
-                            <p:stCondLst>
-                              <p:cond delay="0"/>
-                            </p:stCondLst>
-                            <p:childTnLst>
-                              <p:par>
-                                <p:cTn id="5" presetID="1" presetClass="entr" presetSubtype="0" fill="hold" grpId="0" nodeType="clickEffect">
-                                  <p:stCondLst>
-                                    <p:cond delay="0"/>
-                                  </p:stCondLst>
-                                  <p:childTnLst>
-                                    <p:set>
-                                      <p:cBhvr>
-                                        <p:cTn id="6" dur="1" fill="hold">
-                                          <p:stCondLst>
-                                            <p:cond delay="0"/>
-                                          </p:stCondLst>
-                                        </p:cTn>
-                                        <p:tgtEl>
-                                          <p:spTgt spid="3">
-                                            <p:txEl>
-                                              <p:pRg st="0" end="0"/>
-                                            </p:txEl>
-                                          </p:spTgt>
-                                        </p:tgtEl>
-                                        <p:attrNameLst>
-                                          <p:attrName>style.visibility</p:attrName>
-                                        </p:attrNameLst>
-                                      </p:cBhvr>
-                                      <p:to>
-                                        <p:strVal val="visible"/>
-                                      </p:to>
-                                    </p:set>
-                                  </p:childTnLst>
-                                </p:cTn>
-                              </p:par>
-                              <p:par>
-                                <p:cTn id="7" presetID="1" presetClass="entr" presetSubtype="0" fill="hold" grpId="0" nodeType="withEffect">
-                                  <p:stCondLst>
-                                    <p:cond delay="0"/>
-                                  </p:stCondLst>
-                                  <p:childTnLst>
-                                    <p:set>
-                                      <p:cBhvr>
-                                        <p:cTn id="8" dur="1" fill="hold">
-                                          <p:stCondLst>
-                                            <p:cond delay="0"/>
-                                          </p:stCondLst>
-                                        </p:cTn>
-                                        <p:tgtEl>
-                                          <p:spTgt spid="3">
-                                            <p:txEl>
-                                              <p:pRg st="1" end="1"/>
-                                            </p:txEl>
-                                          </p:spTgt>
-                                        </p:tgtEl>
-                                        <p:attrNameLst>
-                                          <p:attrName>style.visibility</p:attrName>
-                                        </p:attrNameLst>
-                                      </p:cBhvr>
-                                      <p:to>
-                                        <p:strVal val="visible"/>
-                                      </p:to>
-                                    </p:set>
-                                  </p:childTnLst>
-                                </p:cTn>
-                              </p:par>
-                              <p:par>
-                                <p:cTn id="9" presetID="1" presetClass="entr" presetSubtype="0" fill="hold" grpId="0" nodeType="withEffect">
-                                  <p:stCondLst>
-                                    <p:cond delay="0"/>
-                                  </p:stCondLst>
-                                  <p:childTnLst>
-                                    <p:set>
-                                      <p:cBhvr>
-                                        <p:cTn id="10" dur="1" fill="hold">
-                                          <p:stCondLst>
-                                            <p:cond delay="0"/>
-                                          </p:stCondLst>
-                                        </p:cTn>
-                                        <p:tgtEl>
-                                          <p:spTgt spid="3">
-                                            <p:txEl>
-                                              <p:pRg st="2" end="2"/>
-                                            </p:txEl>
-                                          </p:spTgt>
-                                        </p:tgtEl>
-                                        <p:attrNameLst>
-                                          <p:attrName>style.visibility</p:attrName>
-                                        </p:attrNameLst>
-                                      </p:cBhvr>
-                                      <p:to>
-                                        <p:strVal val="visible"/>
-                                      </p:to>
-                                    </p:set>
-                                  </p:childTnLst>
-                                </p:cTn>
-                              </p:par>
-                            </p:childTnLst>
-                          </p:cTn>
-                        </p:par>
-                      </p:childTnLst>
-                    </p:cTn>
-                  </p:par>
-                </p:childTnLst>
-              </p:cTn>
-              <p:prevCondLst>
-                <p:cond evt="onPrev" delay="0">
-                  <p:tgtEl>
-                    <p:sldTgt/>
-                  </p:tgtEl>
-                </p:cond>
-              </p:prevCondLst>
-              <p:nextCondLst>
-                <p:cond evt="onNext" delay="0">
-                  <p:tgtEl>
-                    <p:sldTgt/>
-                  </p:tgtEl>
-                </p:cond>
-              </p:nextCondLst>
-            </p:seq>
-          </p:childTnLst>
-        </p:cTn>
-      </p:par>
-    </p:tnLst>
-    <p:bldLst>
-      <p:bldP spid="3" grpId="0" build="p"/>
-    </p:bldLst>
-  </p:timing>
 </p:sld>
 </file>
 
@@ -9231,284 +6813,6 @@
   <p:clrMapOvr>
     <a:masterClrMapping/>
   </p:clrMapOvr>
-  <p:timing>
-    <p:tnLst>
-      <p:par>
-        <p:cTn id="1" dur="indefinite" restart="never" nodeType="tmRoot">
-          <p:childTnLst>
-            <p:seq concurrent="1" nextAc="seek">
-              <p:cTn id="2" dur="indefinite" nodeType="mainSeq">
-                <p:childTnLst>
-                  <p:par>
-                    <p:cTn id="3" fill="hold">
-                      <p:stCondLst>
-                        <p:cond delay="indefinite"/>
-                      </p:stCondLst>
-                      <p:childTnLst>
-                        <p:par>
-                          <p:cTn id="4" fill="hold">
-                            <p:stCondLst>
-                              <p:cond delay="0"/>
-                            </p:stCondLst>
-                            <p:childTnLst>
-                              <p:par>
-                                <p:cTn id="5" presetID="1" presetClass="entr" presetSubtype="0" fill="hold" grpId="0" nodeType="clickEffect">
-                                  <p:stCondLst>
-                                    <p:cond delay="0"/>
-                                  </p:stCondLst>
-                                  <p:childTnLst>
-                                    <p:set>
-                                      <p:cBhvr>
-                                        <p:cTn id="6" dur="1" fill="hold">
-                                          <p:stCondLst>
-                                            <p:cond delay="0"/>
-                                          </p:stCondLst>
-                                        </p:cTn>
-                                        <p:tgtEl>
-                                          <p:spTgt spid="3">
-                                            <p:txEl>
-                                              <p:pRg st="0" end="0"/>
-                                            </p:txEl>
-                                          </p:spTgt>
-                                        </p:tgtEl>
-                                        <p:attrNameLst>
-                                          <p:attrName>style.visibility</p:attrName>
-                                        </p:attrNameLst>
-                                      </p:cBhvr>
-                                      <p:to>
-                                        <p:strVal val="visible"/>
-                                      </p:to>
-                                    </p:set>
-                                  </p:childTnLst>
-                                </p:cTn>
-                              </p:par>
-                            </p:childTnLst>
-                          </p:cTn>
-                        </p:par>
-                      </p:childTnLst>
-                    </p:cTn>
-                  </p:par>
-                  <p:par>
-                    <p:cTn id="7" fill="hold">
-                      <p:stCondLst>
-                        <p:cond delay="indefinite"/>
-                      </p:stCondLst>
-                      <p:childTnLst>
-                        <p:par>
-                          <p:cTn id="8" fill="hold">
-                            <p:stCondLst>
-                              <p:cond delay="0"/>
-                            </p:stCondLst>
-                            <p:childTnLst>
-                              <p:par>
-                                <p:cTn id="9" presetID="1" presetClass="entr" presetSubtype="0" fill="hold" grpId="0" nodeType="clickEffect">
-                                  <p:stCondLst>
-                                    <p:cond delay="0"/>
-                                  </p:stCondLst>
-                                  <p:childTnLst>
-                                    <p:set>
-                                      <p:cBhvr>
-                                        <p:cTn id="10" dur="1" fill="hold">
-                                          <p:stCondLst>
-                                            <p:cond delay="0"/>
-                                          </p:stCondLst>
-                                        </p:cTn>
-                                        <p:tgtEl>
-                                          <p:spTgt spid="3">
-                                            <p:txEl>
-                                              <p:pRg st="1" end="1"/>
-                                            </p:txEl>
-                                          </p:spTgt>
-                                        </p:tgtEl>
-                                        <p:attrNameLst>
-                                          <p:attrName>style.visibility</p:attrName>
-                                        </p:attrNameLst>
-                                      </p:cBhvr>
-                                      <p:to>
-                                        <p:strVal val="visible"/>
-                                      </p:to>
-                                    </p:set>
-                                  </p:childTnLst>
-                                </p:cTn>
-                              </p:par>
-                            </p:childTnLst>
-                          </p:cTn>
-                        </p:par>
-                      </p:childTnLst>
-                    </p:cTn>
-                  </p:par>
-                  <p:par>
-                    <p:cTn id="11" fill="hold">
-                      <p:stCondLst>
-                        <p:cond delay="indefinite"/>
-                      </p:stCondLst>
-                      <p:childTnLst>
-                        <p:par>
-                          <p:cTn id="12" fill="hold">
-                            <p:stCondLst>
-                              <p:cond delay="0"/>
-                            </p:stCondLst>
-                            <p:childTnLst>
-                              <p:par>
-                                <p:cTn id="13" presetID="1" presetClass="entr" presetSubtype="0" fill="hold" grpId="0" nodeType="clickEffect">
-                                  <p:stCondLst>
-                                    <p:cond delay="0"/>
-                                  </p:stCondLst>
-                                  <p:childTnLst>
-                                    <p:set>
-                                      <p:cBhvr>
-                                        <p:cTn id="14" dur="1" fill="hold">
-                                          <p:stCondLst>
-                                            <p:cond delay="0"/>
-                                          </p:stCondLst>
-                                        </p:cTn>
-                                        <p:tgtEl>
-                                          <p:spTgt spid="3">
-                                            <p:txEl>
-                                              <p:pRg st="2" end="2"/>
-                                            </p:txEl>
-                                          </p:spTgt>
-                                        </p:tgtEl>
-                                        <p:attrNameLst>
-                                          <p:attrName>style.visibility</p:attrName>
-                                        </p:attrNameLst>
-                                      </p:cBhvr>
-                                      <p:to>
-                                        <p:strVal val="visible"/>
-                                      </p:to>
-                                    </p:set>
-                                  </p:childTnLst>
-                                </p:cTn>
-                              </p:par>
-                            </p:childTnLst>
-                          </p:cTn>
-                        </p:par>
-                      </p:childTnLst>
-                    </p:cTn>
-                  </p:par>
-                  <p:par>
-                    <p:cTn id="15" fill="hold">
-                      <p:stCondLst>
-                        <p:cond delay="indefinite"/>
-                      </p:stCondLst>
-                      <p:childTnLst>
-                        <p:par>
-                          <p:cTn id="16" fill="hold">
-                            <p:stCondLst>
-                              <p:cond delay="0"/>
-                            </p:stCondLst>
-                            <p:childTnLst>
-                              <p:par>
-                                <p:cTn id="17" presetID="1" presetClass="entr" presetSubtype="0" fill="hold" grpId="0" nodeType="clickEffect">
-                                  <p:stCondLst>
-                                    <p:cond delay="0"/>
-                                  </p:stCondLst>
-                                  <p:childTnLst>
-                                    <p:set>
-                                      <p:cBhvr>
-                                        <p:cTn id="18" dur="1" fill="hold">
-                                          <p:stCondLst>
-                                            <p:cond delay="0"/>
-                                          </p:stCondLst>
-                                        </p:cTn>
-                                        <p:tgtEl>
-                                          <p:spTgt spid="3">
-                                            <p:txEl>
-                                              <p:pRg st="3" end="3"/>
-                                            </p:txEl>
-                                          </p:spTgt>
-                                        </p:tgtEl>
-                                        <p:attrNameLst>
-                                          <p:attrName>style.visibility</p:attrName>
-                                        </p:attrNameLst>
-                                      </p:cBhvr>
-                                      <p:to>
-                                        <p:strVal val="visible"/>
-                                      </p:to>
-                                    </p:set>
-                                  </p:childTnLst>
-                                </p:cTn>
-                              </p:par>
-                            </p:childTnLst>
-                          </p:cTn>
-                        </p:par>
-                      </p:childTnLst>
-                    </p:cTn>
-                  </p:par>
-                  <p:par>
-                    <p:cTn id="19" fill="hold">
-                      <p:stCondLst>
-                        <p:cond delay="indefinite"/>
-                      </p:stCondLst>
-                      <p:childTnLst>
-                        <p:par>
-                          <p:cTn id="20" fill="hold">
-                            <p:stCondLst>
-                              <p:cond delay="0"/>
-                            </p:stCondLst>
-                            <p:childTnLst>
-                              <p:par>
-                                <p:cTn id="21" presetID="1" presetClass="entr" presetSubtype="0" fill="hold" grpId="0" nodeType="clickEffect">
-                                  <p:stCondLst>
-                                    <p:cond delay="0"/>
-                                  </p:stCondLst>
-                                  <p:childTnLst>
-                                    <p:set>
-                                      <p:cBhvr>
-                                        <p:cTn id="22" dur="1" fill="hold">
-                                          <p:stCondLst>
-                                            <p:cond delay="0"/>
-                                          </p:stCondLst>
-                                        </p:cTn>
-                                        <p:tgtEl>
-                                          <p:spTgt spid="3">
-                                            <p:txEl>
-                                              <p:pRg st="4" end="4"/>
-                                            </p:txEl>
-                                          </p:spTgt>
-                                        </p:tgtEl>
-                                        <p:attrNameLst>
-                                          <p:attrName>style.visibility</p:attrName>
-                                        </p:attrNameLst>
-                                      </p:cBhvr>
-                                      <p:to>
-                                        <p:strVal val="visible"/>
-                                      </p:to>
-                                    </p:set>
-                                  </p:childTnLst>
-                                </p:cTn>
-                              </p:par>
-                            </p:childTnLst>
-                          </p:cTn>
-                        </p:par>
-                      </p:childTnLst>
-                    </p:cTn>
-                  </p:par>
-                </p:childTnLst>
-              </p:cTn>
-              <p:prevCondLst>
-                <p:cond evt="onPrev" delay="0">
-                  <p:tgtEl>
-                    <p:sldTgt/>
-                  </p:tgtEl>
-                </p:cond>
-              </p:prevCondLst>
-              <p:nextCondLst>
-                <p:cond evt="onNext" delay="0">
-                  <p:tgtEl>
-                    <p:sldTgt/>
-                  </p:tgtEl>
-                </p:cond>
-              </p:nextCondLst>
-            </p:seq>
-          </p:childTnLst>
-        </p:cTn>
-      </p:par>
-    </p:tnLst>
-    <p:bldLst>
-      <p:bldP spid="3" grpId="0" uiExpand="1" build="p"/>
-    </p:bldLst>
-  </p:timing>
 </p:sld>
 </file>
 
@@ -9838,333 +7142,6 @@
   <p:clrMapOvr>
     <a:masterClrMapping/>
   </p:clrMapOvr>
-  <p:timing>
-    <p:tnLst>
-      <p:par>
-        <p:cTn id="1" dur="indefinite" restart="never" nodeType="tmRoot">
-          <p:childTnLst>
-            <p:seq concurrent="1" nextAc="seek">
-              <p:cTn id="2" dur="indefinite" nodeType="mainSeq">
-                <p:childTnLst>
-                  <p:par>
-                    <p:cTn id="3" fill="hold">
-                      <p:stCondLst>
-                        <p:cond delay="indefinite"/>
-                      </p:stCondLst>
-                      <p:childTnLst>
-                        <p:par>
-                          <p:cTn id="4" fill="hold">
-                            <p:stCondLst>
-                              <p:cond delay="0"/>
-                            </p:stCondLst>
-                            <p:childTnLst>
-                              <p:par>
-                                <p:cTn id="5" presetID="1" presetClass="entr" presetSubtype="0" fill="hold" grpId="0" nodeType="clickEffect">
-                                  <p:stCondLst>
-                                    <p:cond delay="0"/>
-                                  </p:stCondLst>
-                                  <p:childTnLst>
-                                    <p:set>
-                                      <p:cBhvr>
-                                        <p:cTn id="6" dur="1" fill="hold">
-                                          <p:stCondLst>
-                                            <p:cond delay="0"/>
-                                          </p:stCondLst>
-                                        </p:cTn>
-                                        <p:tgtEl>
-                                          <p:spTgt spid="3">
-                                            <p:txEl>
-                                              <p:pRg st="0" end="0"/>
-                                            </p:txEl>
-                                          </p:spTgt>
-                                        </p:tgtEl>
-                                        <p:attrNameLst>
-                                          <p:attrName>style.visibility</p:attrName>
-                                        </p:attrNameLst>
-                                      </p:cBhvr>
-                                      <p:to>
-                                        <p:strVal val="visible"/>
-                                      </p:to>
-                                    </p:set>
-                                  </p:childTnLst>
-                                </p:cTn>
-                              </p:par>
-                            </p:childTnLst>
-                          </p:cTn>
-                        </p:par>
-                      </p:childTnLst>
-                    </p:cTn>
-                  </p:par>
-                  <p:par>
-                    <p:cTn id="7" fill="hold">
-                      <p:stCondLst>
-                        <p:cond delay="indefinite"/>
-                      </p:stCondLst>
-                      <p:childTnLst>
-                        <p:par>
-                          <p:cTn id="8" fill="hold">
-                            <p:stCondLst>
-                              <p:cond delay="0"/>
-                            </p:stCondLst>
-                            <p:childTnLst>
-                              <p:par>
-                                <p:cTn id="9" presetID="1" presetClass="entr" presetSubtype="0" fill="hold" grpId="0" nodeType="clickEffect">
-                                  <p:stCondLst>
-                                    <p:cond delay="0"/>
-                                  </p:stCondLst>
-                                  <p:childTnLst>
-                                    <p:set>
-                                      <p:cBhvr>
-                                        <p:cTn id="10" dur="1" fill="hold">
-                                          <p:stCondLst>
-                                            <p:cond delay="0"/>
-                                          </p:stCondLst>
-                                        </p:cTn>
-                                        <p:tgtEl>
-                                          <p:spTgt spid="3">
-                                            <p:txEl>
-                                              <p:pRg st="1" end="1"/>
-                                            </p:txEl>
-                                          </p:spTgt>
-                                        </p:tgtEl>
-                                        <p:attrNameLst>
-                                          <p:attrName>style.visibility</p:attrName>
-                                        </p:attrNameLst>
-                                      </p:cBhvr>
-                                      <p:to>
-                                        <p:strVal val="visible"/>
-                                      </p:to>
-                                    </p:set>
-                                  </p:childTnLst>
-                                </p:cTn>
-                              </p:par>
-                            </p:childTnLst>
-                          </p:cTn>
-                        </p:par>
-                      </p:childTnLst>
-                    </p:cTn>
-                  </p:par>
-                  <p:par>
-                    <p:cTn id="11" fill="hold">
-                      <p:stCondLst>
-                        <p:cond delay="indefinite"/>
-                      </p:stCondLst>
-                      <p:childTnLst>
-                        <p:par>
-                          <p:cTn id="12" fill="hold">
-                            <p:stCondLst>
-                              <p:cond delay="0"/>
-                            </p:stCondLst>
-                            <p:childTnLst>
-                              <p:par>
-                                <p:cTn id="13" presetID="1" presetClass="entr" presetSubtype="0" fill="hold" grpId="0" nodeType="clickEffect">
-                                  <p:stCondLst>
-                                    <p:cond delay="0"/>
-                                  </p:stCondLst>
-                                  <p:childTnLst>
-                                    <p:set>
-                                      <p:cBhvr>
-                                        <p:cTn id="14" dur="1" fill="hold">
-                                          <p:stCondLst>
-                                            <p:cond delay="0"/>
-                                          </p:stCondLst>
-                                        </p:cTn>
-                                        <p:tgtEl>
-                                          <p:spTgt spid="3">
-                                            <p:txEl>
-                                              <p:pRg st="2" end="2"/>
-                                            </p:txEl>
-                                          </p:spTgt>
-                                        </p:tgtEl>
-                                        <p:attrNameLst>
-                                          <p:attrName>style.visibility</p:attrName>
-                                        </p:attrNameLst>
-                                      </p:cBhvr>
-                                      <p:to>
-                                        <p:strVal val="visible"/>
-                                      </p:to>
-                                    </p:set>
-                                  </p:childTnLst>
-                                </p:cTn>
-                              </p:par>
-                            </p:childTnLst>
-                          </p:cTn>
-                        </p:par>
-                      </p:childTnLst>
-                    </p:cTn>
-                  </p:par>
-                  <p:par>
-                    <p:cTn id="15" fill="hold">
-                      <p:stCondLst>
-                        <p:cond delay="indefinite"/>
-                      </p:stCondLst>
-                      <p:childTnLst>
-                        <p:par>
-                          <p:cTn id="16" fill="hold">
-                            <p:stCondLst>
-                              <p:cond delay="0"/>
-                            </p:stCondLst>
-                            <p:childTnLst>
-                              <p:par>
-                                <p:cTn id="17" presetID="1" presetClass="entr" presetSubtype="0" fill="hold" grpId="0" nodeType="clickEffect">
-                                  <p:stCondLst>
-                                    <p:cond delay="0"/>
-                                  </p:stCondLst>
-                                  <p:childTnLst>
-                                    <p:set>
-                                      <p:cBhvr>
-                                        <p:cTn id="18" dur="1" fill="hold">
-                                          <p:stCondLst>
-                                            <p:cond delay="0"/>
-                                          </p:stCondLst>
-                                        </p:cTn>
-                                        <p:tgtEl>
-                                          <p:spTgt spid="3">
-                                            <p:txEl>
-                                              <p:pRg st="3" end="3"/>
-                                            </p:txEl>
-                                          </p:spTgt>
-                                        </p:tgtEl>
-                                        <p:attrNameLst>
-                                          <p:attrName>style.visibility</p:attrName>
-                                        </p:attrNameLst>
-                                      </p:cBhvr>
-                                      <p:to>
-                                        <p:strVal val="visible"/>
-                                      </p:to>
-                                    </p:set>
-                                  </p:childTnLst>
-                                </p:cTn>
-                              </p:par>
-                            </p:childTnLst>
-                          </p:cTn>
-                        </p:par>
-                      </p:childTnLst>
-                    </p:cTn>
-                  </p:par>
-                  <p:par>
-                    <p:cTn id="19" fill="hold">
-                      <p:stCondLst>
-                        <p:cond delay="indefinite"/>
-                      </p:stCondLst>
-                      <p:childTnLst>
-                        <p:par>
-                          <p:cTn id="20" fill="hold">
-                            <p:stCondLst>
-                              <p:cond delay="0"/>
-                            </p:stCondLst>
-                            <p:childTnLst>
-                              <p:par>
-                                <p:cTn id="21" presetID="1" presetClass="entr" presetSubtype="0" fill="hold" grpId="0" nodeType="clickEffect">
-                                  <p:stCondLst>
-                                    <p:cond delay="0"/>
-                                  </p:stCondLst>
-                                  <p:childTnLst>
-                                    <p:set>
-                                      <p:cBhvr>
-                                        <p:cTn id="22" dur="1" fill="hold">
-                                          <p:stCondLst>
-                                            <p:cond delay="0"/>
-                                          </p:stCondLst>
-                                        </p:cTn>
-                                        <p:tgtEl>
-                                          <p:spTgt spid="3">
-                                            <p:txEl>
-                                              <p:pRg st="4" end="4"/>
-                                            </p:txEl>
-                                          </p:spTgt>
-                                        </p:tgtEl>
-                                        <p:attrNameLst>
-                                          <p:attrName>style.visibility</p:attrName>
-                                        </p:attrNameLst>
-                                      </p:cBhvr>
-                                      <p:to>
-                                        <p:strVal val="visible"/>
-                                      </p:to>
-                                    </p:set>
-                                  </p:childTnLst>
-                                </p:cTn>
-                              </p:par>
-                            </p:childTnLst>
-                          </p:cTn>
-                        </p:par>
-                      </p:childTnLst>
-                    </p:cTn>
-                  </p:par>
-                  <p:par>
-                    <p:cTn id="23" fill="hold">
-                      <p:stCondLst>
-                        <p:cond delay="indefinite"/>
-                      </p:stCondLst>
-                      <p:childTnLst>
-                        <p:par>
-                          <p:cTn id="24" fill="hold">
-                            <p:stCondLst>
-                              <p:cond delay="0"/>
-                            </p:stCondLst>
-                            <p:childTnLst>
-                              <p:par>
-                                <p:cTn id="25" presetID="1" presetClass="entr" presetSubtype="0" fill="hold" grpId="0" nodeType="clickEffect">
-                                  <p:stCondLst>
-                                    <p:cond delay="0"/>
-                                  </p:stCondLst>
-                                  <p:childTnLst>
-                                    <p:set>
-                                      <p:cBhvr>
-                                        <p:cTn id="26" dur="1" fill="hold">
-                                          <p:stCondLst>
-                                            <p:cond delay="0"/>
-                                          </p:stCondLst>
-                                        </p:cTn>
-                                        <p:tgtEl>
-                                          <p:spTgt spid="3">
-                                            <p:txEl>
-                                              <p:pRg st="5" end="5"/>
-                                            </p:txEl>
-                                          </p:spTgt>
-                                        </p:tgtEl>
-                                        <p:attrNameLst>
-                                          <p:attrName>style.visibility</p:attrName>
-                                        </p:attrNameLst>
-                                      </p:cBhvr>
-                                      <p:to>
-                                        <p:strVal val="visible"/>
-                                      </p:to>
-                                    </p:set>
-                                  </p:childTnLst>
-                                </p:cTn>
-                              </p:par>
-                            </p:childTnLst>
-                          </p:cTn>
-                        </p:par>
-                      </p:childTnLst>
-                    </p:cTn>
-                  </p:par>
-                </p:childTnLst>
-              </p:cTn>
-              <p:prevCondLst>
-                <p:cond evt="onPrev" delay="0">
-                  <p:tgtEl>
-                    <p:sldTgt/>
-                  </p:tgtEl>
-                </p:cond>
-              </p:prevCondLst>
-              <p:nextCondLst>
-                <p:cond evt="onNext" delay="0">
-                  <p:tgtEl>
-                    <p:sldTgt/>
-                  </p:tgtEl>
-                </p:cond>
-              </p:nextCondLst>
-            </p:seq>
-          </p:childTnLst>
-        </p:cTn>
-      </p:par>
-    </p:tnLst>
-    <p:bldLst>
-      <p:bldP spid="3" grpId="0" uiExpand="1" build="p"/>
-    </p:bldLst>
-  </p:timing>
 </p:sld>
 </file>
 
@@ -10746,261 +7723,6 @@
   <p:clrMapOvr>
     <a:masterClrMapping/>
   </p:clrMapOvr>
-  <p:timing>
-    <p:tnLst>
-      <p:par>
-        <p:cTn id="1" dur="indefinite" restart="never" nodeType="tmRoot">
-          <p:childTnLst>
-            <p:seq concurrent="1" nextAc="seek">
-              <p:cTn id="2" dur="indefinite" nodeType="mainSeq">
-                <p:childTnLst>
-                  <p:par>
-                    <p:cTn id="3" fill="hold">
-                      <p:stCondLst>
-                        <p:cond delay="indefinite"/>
-                      </p:stCondLst>
-                      <p:childTnLst>
-                        <p:par>
-                          <p:cTn id="4" fill="hold">
-                            <p:stCondLst>
-                              <p:cond delay="0"/>
-                            </p:stCondLst>
-                            <p:childTnLst>
-                              <p:par>
-                                <p:cTn id="5" presetID="1" presetClass="entr" presetSubtype="0" fill="hold" grpId="0" nodeType="clickEffect">
-                                  <p:stCondLst>
-                                    <p:cond delay="0"/>
-                                  </p:stCondLst>
-                                  <p:childTnLst>
-                                    <p:set>
-                                      <p:cBhvr>
-                                        <p:cTn id="6" dur="1" fill="hold">
-                                          <p:stCondLst>
-                                            <p:cond delay="0"/>
-                                          </p:stCondLst>
-                                        </p:cTn>
-                                        <p:tgtEl>
-                                          <p:spTgt spid="3">
-                                            <p:txEl>
-                                              <p:pRg st="0" end="0"/>
-                                            </p:txEl>
-                                          </p:spTgt>
-                                        </p:tgtEl>
-                                        <p:attrNameLst>
-                                          <p:attrName>style.visibility</p:attrName>
-                                        </p:attrNameLst>
-                                      </p:cBhvr>
-                                      <p:to>
-                                        <p:strVal val="visible"/>
-                                      </p:to>
-                                    </p:set>
-                                  </p:childTnLst>
-                                </p:cTn>
-                              </p:par>
-                              <p:par>
-                                <p:cTn id="7" presetID="1" presetClass="entr" presetSubtype="0" fill="hold" grpId="0" nodeType="withEffect">
-                                  <p:stCondLst>
-                                    <p:cond delay="0"/>
-                                  </p:stCondLst>
-                                  <p:childTnLst>
-                                    <p:set>
-                                      <p:cBhvr>
-                                        <p:cTn id="8" dur="1" fill="hold">
-                                          <p:stCondLst>
-                                            <p:cond delay="0"/>
-                                          </p:stCondLst>
-                                        </p:cTn>
-                                        <p:tgtEl>
-                                          <p:spTgt spid="3">
-                                            <p:txEl>
-                                              <p:pRg st="1" end="1"/>
-                                            </p:txEl>
-                                          </p:spTgt>
-                                        </p:tgtEl>
-                                        <p:attrNameLst>
-                                          <p:attrName>style.visibility</p:attrName>
-                                        </p:attrNameLst>
-                                      </p:cBhvr>
-                                      <p:to>
-                                        <p:strVal val="visible"/>
-                                      </p:to>
-                                    </p:set>
-                                  </p:childTnLst>
-                                </p:cTn>
-                              </p:par>
-                              <p:par>
-                                <p:cTn id="9" presetID="1" presetClass="entr" presetSubtype="0" fill="hold" grpId="0" nodeType="withEffect">
-                                  <p:stCondLst>
-                                    <p:cond delay="0"/>
-                                  </p:stCondLst>
-                                  <p:childTnLst>
-                                    <p:set>
-                                      <p:cBhvr>
-                                        <p:cTn id="10" dur="1" fill="hold">
-                                          <p:stCondLst>
-                                            <p:cond delay="0"/>
-                                          </p:stCondLst>
-                                        </p:cTn>
-                                        <p:tgtEl>
-                                          <p:spTgt spid="3">
-                                            <p:txEl>
-                                              <p:pRg st="2" end="2"/>
-                                            </p:txEl>
-                                          </p:spTgt>
-                                        </p:tgtEl>
-                                        <p:attrNameLst>
-                                          <p:attrName>style.visibility</p:attrName>
-                                        </p:attrNameLst>
-                                      </p:cBhvr>
-                                      <p:to>
-                                        <p:strVal val="visible"/>
-                                      </p:to>
-                                    </p:set>
-                                  </p:childTnLst>
-                                </p:cTn>
-                              </p:par>
-                              <p:par>
-                                <p:cTn id="11" presetID="1" presetClass="entr" presetSubtype="0" fill="hold" grpId="0" nodeType="withEffect">
-                                  <p:stCondLst>
-                                    <p:cond delay="0"/>
-                                  </p:stCondLst>
-                                  <p:childTnLst>
-                                    <p:set>
-                                      <p:cBhvr>
-                                        <p:cTn id="12" dur="1" fill="hold">
-                                          <p:stCondLst>
-                                            <p:cond delay="0"/>
-                                          </p:stCondLst>
-                                        </p:cTn>
-                                        <p:tgtEl>
-                                          <p:spTgt spid="3">
-                                            <p:txEl>
-                                              <p:pRg st="3" end="3"/>
-                                            </p:txEl>
-                                          </p:spTgt>
-                                        </p:tgtEl>
-                                        <p:attrNameLst>
-                                          <p:attrName>style.visibility</p:attrName>
-                                        </p:attrNameLst>
-                                      </p:cBhvr>
-                                      <p:to>
-                                        <p:strVal val="visible"/>
-                                      </p:to>
-                                    </p:set>
-                                  </p:childTnLst>
-                                </p:cTn>
-                              </p:par>
-                            </p:childTnLst>
-                          </p:cTn>
-                        </p:par>
-                      </p:childTnLst>
-                    </p:cTn>
-                  </p:par>
-                  <p:par>
-                    <p:cTn id="13" fill="hold">
-                      <p:stCondLst>
-                        <p:cond delay="indefinite"/>
-                      </p:stCondLst>
-                      <p:childTnLst>
-                        <p:par>
-                          <p:cTn id="14" fill="hold">
-                            <p:stCondLst>
-                              <p:cond delay="0"/>
-                            </p:stCondLst>
-                            <p:childTnLst>
-                              <p:par>
-                                <p:cTn id="15" presetID="1" presetClass="entr" presetSubtype="0" fill="hold" grpId="0" nodeType="clickEffect">
-                                  <p:stCondLst>
-                                    <p:cond delay="0"/>
-                                  </p:stCondLst>
-                                  <p:childTnLst>
-                                    <p:set>
-                                      <p:cBhvr>
-                                        <p:cTn id="16" dur="1" fill="hold">
-                                          <p:stCondLst>
-                                            <p:cond delay="0"/>
-                                          </p:stCondLst>
-                                        </p:cTn>
-                                        <p:tgtEl>
-                                          <p:spTgt spid="3">
-                                            <p:txEl>
-                                              <p:pRg st="4" end="4"/>
-                                            </p:txEl>
-                                          </p:spTgt>
-                                        </p:tgtEl>
-                                        <p:attrNameLst>
-                                          <p:attrName>style.visibility</p:attrName>
-                                        </p:attrNameLst>
-                                      </p:cBhvr>
-                                      <p:to>
-                                        <p:strVal val="visible"/>
-                                      </p:to>
-                                    </p:set>
-                                  </p:childTnLst>
-                                </p:cTn>
-                              </p:par>
-                              <p:par>
-                                <p:cTn id="17" presetID="1" presetClass="entr" presetSubtype="0" fill="hold" grpId="0" nodeType="withEffect">
-                                  <p:stCondLst>
-                                    <p:cond delay="0"/>
-                                  </p:stCondLst>
-                                  <p:childTnLst>
-                                    <p:set>
-                                      <p:cBhvr>
-                                        <p:cTn id="18" dur="1" fill="hold">
-                                          <p:stCondLst>
-                                            <p:cond delay="0"/>
-                                          </p:stCondLst>
-                                        </p:cTn>
-                                        <p:tgtEl>
-                                          <p:spTgt spid="3">
-                                            <p:txEl>
-                                              <p:pRg st="5" end="5"/>
-                                            </p:txEl>
-                                          </p:spTgt>
-                                        </p:tgtEl>
-                                        <p:attrNameLst>
-                                          <p:attrName>style.visibility</p:attrName>
-                                        </p:attrNameLst>
-                                      </p:cBhvr>
-                                      <p:to>
-                                        <p:strVal val="visible"/>
-                                      </p:to>
-                                    </p:set>
-                                  </p:childTnLst>
-                                </p:cTn>
-                              </p:par>
-                            </p:childTnLst>
-                          </p:cTn>
-                        </p:par>
-                      </p:childTnLst>
-                    </p:cTn>
-                  </p:par>
-                </p:childTnLst>
-              </p:cTn>
-              <p:prevCondLst>
-                <p:cond evt="onPrev" delay="0">
-                  <p:tgtEl>
-                    <p:sldTgt/>
-                  </p:tgtEl>
-                </p:cond>
-              </p:prevCondLst>
-              <p:nextCondLst>
-                <p:cond evt="onNext" delay="0">
-                  <p:tgtEl>
-                    <p:sldTgt/>
-                  </p:tgtEl>
-                </p:cond>
-              </p:nextCondLst>
-            </p:seq>
-          </p:childTnLst>
-        </p:cTn>
-      </p:par>
-    </p:tnLst>
-    <p:bldLst>
-      <p:bldP spid="3" grpId="0" build="p"/>
-    </p:bldLst>
-  </p:timing>
 </p:sld>
 </file>
 
@@ -11157,230 +7879,6 @@
   <p:clrMapOvr>
     <a:masterClrMapping/>
   </p:clrMapOvr>
-  <p:timing>
-    <p:tnLst>
-      <p:par>
-        <p:cTn id="1" dur="indefinite" restart="never" nodeType="tmRoot">
-          <p:childTnLst>
-            <p:seq concurrent="1" nextAc="seek">
-              <p:cTn id="2" dur="indefinite" nodeType="mainSeq">
-                <p:childTnLst>
-                  <p:par>
-                    <p:cTn id="3" fill="hold">
-                      <p:stCondLst>
-                        <p:cond delay="indefinite"/>
-                      </p:stCondLst>
-                      <p:childTnLst>
-                        <p:par>
-                          <p:cTn id="4" fill="hold">
-                            <p:stCondLst>
-                              <p:cond delay="0"/>
-                            </p:stCondLst>
-                            <p:childTnLst>
-                              <p:par>
-                                <p:cTn id="5" presetID="1" presetClass="entr" presetSubtype="0" fill="hold" grpId="0" nodeType="clickEffect">
-                                  <p:stCondLst>
-                                    <p:cond delay="0"/>
-                                  </p:stCondLst>
-                                  <p:childTnLst>
-                                    <p:set>
-                                      <p:cBhvr>
-                                        <p:cTn id="6" dur="1" fill="hold">
-                                          <p:stCondLst>
-                                            <p:cond delay="0"/>
-                                          </p:stCondLst>
-                                        </p:cTn>
-                                        <p:tgtEl>
-                                          <p:spTgt spid="3">
-                                            <p:txEl>
-                                              <p:pRg st="0" end="0"/>
-                                            </p:txEl>
-                                          </p:spTgt>
-                                        </p:tgtEl>
-                                        <p:attrNameLst>
-                                          <p:attrName>style.visibility</p:attrName>
-                                        </p:attrNameLst>
-                                      </p:cBhvr>
-                                      <p:to>
-                                        <p:strVal val="visible"/>
-                                      </p:to>
-                                    </p:set>
-                                  </p:childTnLst>
-                                </p:cTn>
-                              </p:par>
-                              <p:par>
-                                <p:cTn id="7" presetID="1" presetClass="entr" presetSubtype="0" fill="hold" grpId="0" nodeType="withEffect">
-                                  <p:stCondLst>
-                                    <p:cond delay="0"/>
-                                  </p:stCondLst>
-                                  <p:childTnLst>
-                                    <p:set>
-                                      <p:cBhvr>
-                                        <p:cTn id="8" dur="1" fill="hold">
-                                          <p:stCondLst>
-                                            <p:cond delay="0"/>
-                                          </p:stCondLst>
-                                        </p:cTn>
-                                        <p:tgtEl>
-                                          <p:spTgt spid="3">
-                                            <p:txEl>
-                                              <p:pRg st="1" end="1"/>
-                                            </p:txEl>
-                                          </p:spTgt>
-                                        </p:tgtEl>
-                                        <p:attrNameLst>
-                                          <p:attrName>style.visibility</p:attrName>
-                                        </p:attrNameLst>
-                                      </p:cBhvr>
-                                      <p:to>
-                                        <p:strVal val="visible"/>
-                                      </p:to>
-                                    </p:set>
-                                  </p:childTnLst>
-                                </p:cTn>
-                              </p:par>
-                              <p:par>
-                                <p:cTn id="9" presetID="1" presetClass="entr" presetSubtype="0" fill="hold" grpId="0" nodeType="withEffect">
-                                  <p:stCondLst>
-                                    <p:cond delay="0"/>
-                                  </p:stCondLst>
-                                  <p:childTnLst>
-                                    <p:set>
-                                      <p:cBhvr>
-                                        <p:cTn id="10" dur="1" fill="hold">
-                                          <p:stCondLst>
-                                            <p:cond delay="0"/>
-                                          </p:stCondLst>
-                                        </p:cTn>
-                                        <p:tgtEl>
-                                          <p:spTgt spid="3">
-                                            <p:txEl>
-                                              <p:pRg st="2" end="2"/>
-                                            </p:txEl>
-                                          </p:spTgt>
-                                        </p:tgtEl>
-                                        <p:attrNameLst>
-                                          <p:attrName>style.visibility</p:attrName>
-                                        </p:attrNameLst>
-                                      </p:cBhvr>
-                                      <p:to>
-                                        <p:strVal val="visible"/>
-                                      </p:to>
-                                    </p:set>
-                                  </p:childTnLst>
-                                </p:cTn>
-                              </p:par>
-                            </p:childTnLst>
-                          </p:cTn>
-                        </p:par>
-                      </p:childTnLst>
-                    </p:cTn>
-                  </p:par>
-                  <p:par>
-                    <p:cTn id="11" fill="hold">
-                      <p:stCondLst>
-                        <p:cond delay="indefinite"/>
-                      </p:stCondLst>
-                      <p:childTnLst>
-                        <p:par>
-                          <p:cTn id="12" fill="hold">
-                            <p:stCondLst>
-                              <p:cond delay="0"/>
-                            </p:stCondLst>
-                            <p:childTnLst>
-                              <p:par>
-                                <p:cTn id="13" presetID="1" presetClass="entr" presetSubtype="0" fill="hold" grpId="0" nodeType="clickEffect">
-                                  <p:stCondLst>
-                                    <p:cond delay="0"/>
-                                  </p:stCondLst>
-                                  <p:childTnLst>
-                                    <p:set>
-                                      <p:cBhvr>
-                                        <p:cTn id="14" dur="1" fill="hold">
-                                          <p:stCondLst>
-                                            <p:cond delay="0"/>
-                                          </p:stCondLst>
-                                        </p:cTn>
-                                        <p:tgtEl>
-                                          <p:spTgt spid="3">
-                                            <p:txEl>
-                                              <p:pRg st="3" end="3"/>
-                                            </p:txEl>
-                                          </p:spTgt>
-                                        </p:tgtEl>
-                                        <p:attrNameLst>
-                                          <p:attrName>style.visibility</p:attrName>
-                                        </p:attrNameLst>
-                                      </p:cBhvr>
-                                      <p:to>
-                                        <p:strVal val="visible"/>
-                                      </p:to>
-                                    </p:set>
-                                  </p:childTnLst>
-                                </p:cTn>
-                              </p:par>
-                              <p:par>
-                                <p:cTn id="15" presetID="1" presetClass="entr" presetSubtype="0" fill="hold" grpId="0" nodeType="withEffect">
-                                  <p:stCondLst>
-                                    <p:cond delay="0"/>
-                                  </p:stCondLst>
-                                  <p:childTnLst>
-                                    <p:set>
-                                      <p:cBhvr>
-                                        <p:cTn id="16" dur="1" fill="hold">
-                                          <p:stCondLst>
-                                            <p:cond delay="0"/>
-                                          </p:stCondLst>
-                                        </p:cTn>
-                                        <p:tgtEl>
-                                          <p:spTgt spid="3">
-                                            <p:txEl>
-                                              <p:pRg st="4" end="4"/>
-                                            </p:txEl>
-                                          </p:spTgt>
-                                        </p:tgtEl>
-                                        <p:attrNameLst>
-                                          <p:attrName>style.visibility</p:attrName>
-                                        </p:attrNameLst>
-                                      </p:cBhvr>
-                                      <p:to>
-                                        <p:strVal val="visible"/>
-                                      </p:to>
-                                    </p:set>
-                                  </p:childTnLst>
-                                </p:cTn>
-                              </p:par>
-                            </p:childTnLst>
-                          </p:cTn>
-                        </p:par>
-                      </p:childTnLst>
-                    </p:cTn>
-                  </p:par>
-                </p:childTnLst>
-              </p:cTn>
-              <p:prevCondLst>
-                <p:cond evt="onPrev" delay="0">
-                  <p:tgtEl>
-                    <p:sldTgt/>
-                  </p:tgtEl>
-                </p:cond>
-              </p:prevCondLst>
-              <p:nextCondLst>
-                <p:cond evt="onNext" delay="0">
-                  <p:tgtEl>
-                    <p:sldTgt/>
-                  </p:tgtEl>
-                </p:cond>
-              </p:nextCondLst>
-            </p:seq>
-          </p:childTnLst>
-        </p:cTn>
-      </p:par>
-    </p:tnLst>
-    <p:bldLst>
-      <p:bldP spid="3" grpId="0" build="p"/>
-    </p:bldLst>
-  </p:timing>
 </p:sld>
 </file>
 
@@ -11561,292 +8059,6 @@
   <p:clrMapOvr>
     <a:masterClrMapping/>
   </p:clrMapOvr>
-  <p:timing>
-    <p:tnLst>
-      <p:par>
-        <p:cTn id="1" dur="indefinite" restart="never" nodeType="tmRoot">
-          <p:childTnLst>
-            <p:seq concurrent="1" nextAc="seek">
-              <p:cTn id="2" dur="indefinite" nodeType="mainSeq">
-                <p:childTnLst>
-                  <p:par>
-                    <p:cTn id="3" fill="hold">
-                      <p:stCondLst>
-                        <p:cond delay="indefinite"/>
-                      </p:stCondLst>
-                      <p:childTnLst>
-                        <p:par>
-                          <p:cTn id="4" fill="hold">
-                            <p:stCondLst>
-                              <p:cond delay="0"/>
-                            </p:stCondLst>
-                            <p:childTnLst>
-                              <p:par>
-                                <p:cTn id="5" presetID="1" presetClass="entr" presetSubtype="0" fill="hold" grpId="0" nodeType="clickEffect">
-                                  <p:stCondLst>
-                                    <p:cond delay="0"/>
-                                  </p:stCondLst>
-                                  <p:childTnLst>
-                                    <p:set>
-                                      <p:cBhvr>
-                                        <p:cTn id="6" dur="1" fill="hold">
-                                          <p:stCondLst>
-                                            <p:cond delay="0"/>
-                                          </p:stCondLst>
-                                        </p:cTn>
-                                        <p:tgtEl>
-                                          <p:spTgt spid="3">
-                                            <p:txEl>
-                                              <p:pRg st="0" end="0"/>
-                                            </p:txEl>
-                                          </p:spTgt>
-                                        </p:tgtEl>
-                                        <p:attrNameLst>
-                                          <p:attrName>style.visibility</p:attrName>
-                                        </p:attrNameLst>
-                                      </p:cBhvr>
-                                      <p:to>
-                                        <p:strVal val="visible"/>
-                                      </p:to>
-                                    </p:set>
-                                  </p:childTnLst>
-                                </p:cTn>
-                              </p:par>
-                              <p:par>
-                                <p:cTn id="7" presetID="1" presetClass="entr" presetSubtype="0" fill="hold" grpId="0" nodeType="withEffect">
-                                  <p:stCondLst>
-                                    <p:cond delay="0"/>
-                                  </p:stCondLst>
-                                  <p:childTnLst>
-                                    <p:set>
-                                      <p:cBhvr>
-                                        <p:cTn id="8" dur="1" fill="hold">
-                                          <p:stCondLst>
-                                            <p:cond delay="0"/>
-                                          </p:stCondLst>
-                                        </p:cTn>
-                                        <p:tgtEl>
-                                          <p:spTgt spid="3">
-                                            <p:txEl>
-                                              <p:pRg st="1" end="1"/>
-                                            </p:txEl>
-                                          </p:spTgt>
-                                        </p:tgtEl>
-                                        <p:attrNameLst>
-                                          <p:attrName>style.visibility</p:attrName>
-                                        </p:attrNameLst>
-                                      </p:cBhvr>
-                                      <p:to>
-                                        <p:strVal val="visible"/>
-                                      </p:to>
-                                    </p:set>
-                                  </p:childTnLst>
-                                </p:cTn>
-                              </p:par>
-                              <p:par>
-                                <p:cTn id="9" presetID="1" presetClass="entr" presetSubtype="0" fill="hold" grpId="0" nodeType="withEffect">
-                                  <p:stCondLst>
-                                    <p:cond delay="0"/>
-                                  </p:stCondLst>
-                                  <p:childTnLst>
-                                    <p:set>
-                                      <p:cBhvr>
-                                        <p:cTn id="10" dur="1" fill="hold">
-                                          <p:stCondLst>
-                                            <p:cond delay="0"/>
-                                          </p:stCondLst>
-                                        </p:cTn>
-                                        <p:tgtEl>
-                                          <p:spTgt spid="3">
-                                            <p:txEl>
-                                              <p:pRg st="2" end="2"/>
-                                            </p:txEl>
-                                          </p:spTgt>
-                                        </p:tgtEl>
-                                        <p:attrNameLst>
-                                          <p:attrName>style.visibility</p:attrName>
-                                        </p:attrNameLst>
-                                      </p:cBhvr>
-                                      <p:to>
-                                        <p:strVal val="visible"/>
-                                      </p:to>
-                                    </p:set>
-                                  </p:childTnLst>
-                                </p:cTn>
-                              </p:par>
-                              <p:par>
-                                <p:cTn id="11" presetID="1" presetClass="entr" presetSubtype="0" fill="hold" grpId="0" nodeType="withEffect">
-                                  <p:stCondLst>
-                                    <p:cond delay="0"/>
-                                  </p:stCondLst>
-                                  <p:childTnLst>
-                                    <p:set>
-                                      <p:cBhvr>
-                                        <p:cTn id="12" dur="1" fill="hold">
-                                          <p:stCondLst>
-                                            <p:cond delay="0"/>
-                                          </p:stCondLst>
-                                        </p:cTn>
-                                        <p:tgtEl>
-                                          <p:spTgt spid="3">
-                                            <p:txEl>
-                                              <p:pRg st="3" end="3"/>
-                                            </p:txEl>
-                                          </p:spTgt>
-                                        </p:tgtEl>
-                                        <p:attrNameLst>
-                                          <p:attrName>style.visibility</p:attrName>
-                                        </p:attrNameLst>
-                                      </p:cBhvr>
-                                      <p:to>
-                                        <p:strVal val="visible"/>
-                                      </p:to>
-                                    </p:set>
-                                  </p:childTnLst>
-                                </p:cTn>
-                              </p:par>
-                            </p:childTnLst>
-                          </p:cTn>
-                        </p:par>
-                      </p:childTnLst>
-                    </p:cTn>
-                  </p:par>
-                  <p:par>
-                    <p:cTn id="13" fill="hold">
-                      <p:stCondLst>
-                        <p:cond delay="indefinite"/>
-                      </p:stCondLst>
-                      <p:childTnLst>
-                        <p:par>
-                          <p:cTn id="14" fill="hold">
-                            <p:stCondLst>
-                              <p:cond delay="0"/>
-                            </p:stCondLst>
-                            <p:childTnLst>
-                              <p:par>
-                                <p:cTn id="15" presetID="1" presetClass="entr" presetSubtype="0" fill="hold" grpId="0" nodeType="clickEffect">
-                                  <p:stCondLst>
-                                    <p:cond delay="0"/>
-                                  </p:stCondLst>
-                                  <p:childTnLst>
-                                    <p:set>
-                                      <p:cBhvr>
-                                        <p:cTn id="16" dur="1" fill="hold">
-                                          <p:stCondLst>
-                                            <p:cond delay="0"/>
-                                          </p:stCondLst>
-                                        </p:cTn>
-                                        <p:tgtEl>
-                                          <p:spTgt spid="3">
-                                            <p:txEl>
-                                              <p:pRg st="4" end="4"/>
-                                            </p:txEl>
-                                          </p:spTgt>
-                                        </p:tgtEl>
-                                        <p:attrNameLst>
-                                          <p:attrName>style.visibility</p:attrName>
-                                        </p:attrNameLst>
-                                      </p:cBhvr>
-                                      <p:to>
-                                        <p:strVal val="visible"/>
-                                      </p:to>
-                                    </p:set>
-                                  </p:childTnLst>
-                                </p:cTn>
-                              </p:par>
-                              <p:par>
-                                <p:cTn id="17" presetID="1" presetClass="entr" presetSubtype="0" fill="hold" grpId="0" nodeType="withEffect">
-                                  <p:stCondLst>
-                                    <p:cond delay="0"/>
-                                  </p:stCondLst>
-                                  <p:childTnLst>
-                                    <p:set>
-                                      <p:cBhvr>
-                                        <p:cTn id="18" dur="1" fill="hold">
-                                          <p:stCondLst>
-                                            <p:cond delay="0"/>
-                                          </p:stCondLst>
-                                        </p:cTn>
-                                        <p:tgtEl>
-                                          <p:spTgt spid="3">
-                                            <p:txEl>
-                                              <p:pRg st="5" end="5"/>
-                                            </p:txEl>
-                                          </p:spTgt>
-                                        </p:tgtEl>
-                                        <p:attrNameLst>
-                                          <p:attrName>style.visibility</p:attrName>
-                                        </p:attrNameLst>
-                                      </p:cBhvr>
-                                      <p:to>
-                                        <p:strVal val="visible"/>
-                                      </p:to>
-                                    </p:set>
-                                  </p:childTnLst>
-                                </p:cTn>
-                              </p:par>
-                              <p:par>
-                                <p:cTn id="19" presetID="1" presetClass="entr" presetSubtype="0" fill="hold" grpId="0" nodeType="withEffect">
-                                  <p:stCondLst>
-                                    <p:cond delay="0"/>
-                                  </p:stCondLst>
-                                  <p:childTnLst>
-                                    <p:set>
-                                      <p:cBhvr>
-                                        <p:cTn id="20" dur="1" fill="hold">
-                                          <p:stCondLst>
-                                            <p:cond delay="0"/>
-                                          </p:stCondLst>
-                                        </p:cTn>
-                                        <p:tgtEl>
-                                          <p:spTgt spid="3">
-                                            <p:txEl>
-                                              <p:pRg st="6" end="6"/>
-                                            </p:txEl>
-                                          </p:spTgt>
-                                        </p:tgtEl>
-                                        <p:attrNameLst>
-                                          <p:attrName>style.visibility</p:attrName>
-                                        </p:attrNameLst>
-                                      </p:cBhvr>
-                                      <p:to>
-                                        <p:strVal val="visible"/>
-                                      </p:to>
-                                    </p:set>
-                                  </p:childTnLst>
-                                </p:cTn>
-                              </p:par>
-                            </p:childTnLst>
-                          </p:cTn>
-                        </p:par>
-                      </p:childTnLst>
-                    </p:cTn>
-                  </p:par>
-                </p:childTnLst>
-              </p:cTn>
-              <p:prevCondLst>
-                <p:cond evt="onPrev" delay="0">
-                  <p:tgtEl>
-                    <p:sldTgt/>
-                  </p:tgtEl>
-                </p:cond>
-              </p:prevCondLst>
-              <p:nextCondLst>
-                <p:cond evt="onNext" delay="0">
-                  <p:tgtEl>
-                    <p:sldTgt/>
-                  </p:tgtEl>
-                </p:cond>
-              </p:nextCondLst>
-            </p:seq>
-          </p:childTnLst>
-        </p:cTn>
-      </p:par>
-    </p:tnLst>
-    <p:bldLst>
-      <p:bldP spid="3" grpId="0" build="p"/>
-    </p:bldLst>
-  </p:timing>
 </p:sld>
 </file>
 

--- a/lecture_04.pptx
+++ b/lecture_04.pptx
@@ -242,7 +242,7 @@
             <a:fld id="{D74C362C-B8EB-FD47-9516-07D42DF4EB3B}" type="datetimeFigureOut">
               <a:rPr lang="en-US" smtClean="0"/>
               <a:pPr/>
-              <a:t>4/14/21</a:t>
+              <a:t>4/5/23</a:t>
             </a:fld>
             <a:endParaRPr lang="en-US" dirty="0"/>
           </a:p>
@@ -410,7 +410,7 @@
             <a:fld id="{C4A2F74A-12B1-374E-80C1-2FDEFD7DEBF6}" type="datetimeFigureOut">
               <a:rPr lang="en-US" smtClean="0"/>
               <a:pPr/>
-              <a:t>4/14/21</a:t>
+              <a:t>4/5/23</a:t>
             </a:fld>
             <a:endParaRPr lang="en-US" dirty="0"/>
           </a:p>
@@ -726,8 +726,38 @@
           <a:lstStyle/>
           <a:p>
             <a:r>
-              <a:rPr lang="en-US" dirty="0"/>
-              <a:t>Saw this in some of our labs, this is generally supported. Can help override proximity or enhance it.</a:t>
+              <a:rPr lang="en-US" dirty="0" err="1"/>
+              <a:t>Preattentive</a:t>
+            </a:r>
+            <a:r>
+              <a:rPr lang="en-US" dirty="0"/>
+              <a:t> attributes are things that we notice with a minimum of cognitive effort</a:t>
+            </a:r>
+          </a:p>
+          <a:p>
+            <a:r>
+              <a:rPr lang="en-US" dirty="0"/>
+              <a:t>Things we will notice as different</a:t>
+            </a:r>
+          </a:p>
+          <a:p>
+            <a:r>
+              <a:rPr lang="en-US" dirty="0"/>
+              <a:t>-Gestalts are ways we perceive groups of things or similarity between elements of a chart (or anything really)</a:t>
+            </a:r>
+          </a:p>
+          <a:p>
+            <a:r>
+              <a:rPr lang="en-US" dirty="0"/>
+              <a:t>Will talk about how to use these </a:t>
+            </a:r>
+            <a:r>
+              <a:rPr lang="en-US" dirty="0" err="1"/>
+              <a:t>preattentive</a:t>
+            </a:r>
+            <a:r>
+              <a:rPr lang="en-US" dirty="0"/>
+              <a:t> attributes in charts and graphs</a:t>
             </a:r>
           </a:p>
         </p:txBody>
@@ -750,7 +780,7 @@
             <a:fld id="{321CD387-5C10-F04B-A125-F0EA107DEF46}" type="slidenum">
               <a:rPr lang="en-US" smtClean="0"/>
               <a:pPr/>
-              <a:t>8</a:t>
+              <a:t>6</a:t>
             </a:fld>
             <a:endParaRPr lang="en-US" dirty="0"/>
           </a:p>
@@ -759,7 +789,7 @@
     </p:spTree>
     <p:extLst>
       <p:ext uri="{BB962C8B-B14F-4D97-AF65-F5344CB8AC3E}">
-        <p14:creationId xmlns:p14="http://schemas.microsoft.com/office/powerpoint/2010/main" val="1802496326"/>
+        <p14:creationId xmlns:p14="http://schemas.microsoft.com/office/powerpoint/2010/main" val="3944251895"/>
       </p:ext>
     </p:extLst>
   </p:cSld>
@@ -815,7 +845,7 @@
           <a:p>
             <a:r>
               <a:rPr lang="en-US" dirty="0"/>
-              <a:t>Shape better when data is nominal, size implies quantitative difference.</a:t>
+              <a:t>Saw this in some of our labs, this is generally supported. Can help override proximity or enhance it.</a:t>
             </a:r>
           </a:p>
         </p:txBody>
@@ -838,7 +868,7 @@
             <a:fld id="{321CD387-5C10-F04B-A125-F0EA107DEF46}" type="slidenum">
               <a:rPr lang="en-US" smtClean="0"/>
               <a:pPr/>
-              <a:t>11</a:t>
+              <a:t>8</a:t>
             </a:fld>
             <a:endParaRPr lang="en-US" dirty="0"/>
           </a:p>
@@ -847,7 +877,7 @@
     </p:spTree>
     <p:extLst>
       <p:ext uri="{BB962C8B-B14F-4D97-AF65-F5344CB8AC3E}">
-        <p14:creationId xmlns:p14="http://schemas.microsoft.com/office/powerpoint/2010/main" val="2920808785"/>
+        <p14:creationId xmlns:p14="http://schemas.microsoft.com/office/powerpoint/2010/main" val="1802496326"/>
       </p:ext>
     </p:extLst>
   </p:cSld>
@@ -903,15 +933,7 @@
           <a:p>
             <a:r>
               <a:rPr lang="en-US" dirty="0"/>
-              <a:t>Call-out or extra label counts as added marks. Even in </a:t>
-            </a:r>
-            <a:r>
-              <a:rPr lang="en-US" dirty="0" err="1"/>
-              <a:t>ggplot</a:t>
-            </a:r>
-            <a:r>
-              <a:rPr lang="en-US" dirty="0"/>
-              <a:t>, you can drop text directly on a chart if needed. Too many and it gets really cluttered, so use sparingly.</a:t>
+              <a:t>Shape better when data is nominal, size implies quantitative difference.</a:t>
             </a:r>
           </a:p>
         </p:txBody>
@@ -934,7 +956,7 @@
             <a:fld id="{321CD387-5C10-F04B-A125-F0EA107DEF46}" type="slidenum">
               <a:rPr lang="en-US" smtClean="0"/>
               <a:pPr/>
-              <a:t>12</a:t>
+              <a:t>11</a:t>
             </a:fld>
             <a:endParaRPr lang="en-US" dirty="0"/>
           </a:p>
@@ -943,7 +965,7 @@
     </p:spTree>
     <p:extLst>
       <p:ext uri="{BB962C8B-B14F-4D97-AF65-F5344CB8AC3E}">
-        <p14:creationId xmlns:p14="http://schemas.microsoft.com/office/powerpoint/2010/main" val="50815345"/>
+        <p14:creationId xmlns:p14="http://schemas.microsoft.com/office/powerpoint/2010/main" val="2920808785"/>
       </p:ext>
     </p:extLst>
   </p:cSld>
@@ -999,6 +1021,102 @@
           <a:p>
             <a:r>
               <a:rPr lang="en-US" dirty="0"/>
+              <a:t>Call-out or extra label counts as added marks. Even in </a:t>
+            </a:r>
+            <a:r>
+              <a:rPr lang="en-US" dirty="0" err="1"/>
+              <a:t>ggplot</a:t>
+            </a:r>
+            <a:r>
+              <a:rPr lang="en-US" dirty="0"/>
+              <a:t>, you can drop text directly on a chart if needed. Too many and it gets really cluttered, so use sparingly.</a:t>
+            </a:r>
+          </a:p>
+        </p:txBody>
+      </p:sp>
+      <p:sp>
+        <p:nvSpPr>
+          <p:cNvPr id="4" name="Slide Number Placeholder 3"/>
+          <p:cNvSpPr>
+            <a:spLocks noGrp="1"/>
+          </p:cNvSpPr>
+          <p:nvPr>
+            <p:ph type="sldNum" sz="quarter" idx="5"/>
+          </p:nvPr>
+        </p:nvSpPr>
+        <p:spPr/>
+        <p:txBody>
+          <a:bodyPr/>
+          <a:lstStyle/>
+          <a:p>
+            <a:fld id="{321CD387-5C10-F04B-A125-F0EA107DEF46}" type="slidenum">
+              <a:rPr lang="en-US" smtClean="0"/>
+              <a:pPr/>
+              <a:t>12</a:t>
+            </a:fld>
+            <a:endParaRPr lang="en-US" dirty="0"/>
+          </a:p>
+        </p:txBody>
+      </p:sp>
+    </p:spTree>
+    <p:extLst>
+      <p:ext uri="{BB962C8B-B14F-4D97-AF65-F5344CB8AC3E}">
+        <p14:creationId xmlns:p14="http://schemas.microsoft.com/office/powerpoint/2010/main" val="50815345"/>
+      </p:ext>
+    </p:extLst>
+  </p:cSld>
+  <p:clrMapOvr>
+    <a:masterClrMapping/>
+  </p:clrMapOvr>
+</p:notes>
+</file>
+
+<file path=ppt/notesSlides/notesSlide5.xml><?xml version="1.0" encoding="utf-8"?>
+<p:notes xmlns:a="http://schemas.openxmlformats.org/drawingml/2006/main" xmlns:r="http://schemas.openxmlformats.org/officeDocument/2006/relationships" xmlns:p="http://schemas.openxmlformats.org/presentationml/2006/main">
+  <p:cSld>
+    <p:spTree>
+      <p:nvGrpSpPr>
+        <p:cNvPr id="1" name=""/>
+        <p:cNvGrpSpPr/>
+        <p:nvPr/>
+      </p:nvGrpSpPr>
+      <p:grpSpPr>
+        <a:xfrm>
+          <a:off x="0" y="0"/>
+          <a:ext cx="0" cy="0"/>
+          <a:chOff x="0" y="0"/>
+          <a:chExt cx="0" cy="0"/>
+        </a:xfrm>
+      </p:grpSpPr>
+      <p:sp>
+        <p:nvSpPr>
+          <p:cNvPr id="2" name="Slide Image Placeholder 1"/>
+          <p:cNvSpPr>
+            <a:spLocks noGrp="1" noRot="1" noChangeAspect="1"/>
+          </p:cNvSpPr>
+          <p:nvPr>
+            <p:ph type="sldImg"/>
+          </p:nvPr>
+        </p:nvSpPr>
+        <p:spPr/>
+      </p:sp>
+      <p:sp>
+        <p:nvSpPr>
+          <p:cNvPr id="3" name="Notes Placeholder 2"/>
+          <p:cNvSpPr>
+            <a:spLocks noGrp="1"/>
+          </p:cNvSpPr>
+          <p:nvPr>
+            <p:ph type="body" idx="1"/>
+          </p:nvPr>
+        </p:nvSpPr>
+        <p:spPr/>
+        <p:txBody>
+          <a:bodyPr/>
+          <a:lstStyle/>
+          <a:p>
+            <a:r>
+              <a:rPr lang="en-US" dirty="0"/>
               <a:t>Enclosure related to the same item we saw in the lecture about Gestalt principles. You can use it to draw a shape around something to group things and override proximity. You can also use it to draw attention to something. In other words, it doesn’t have to be used with a scatterplot. I use it a ton with bar charts where I want to point out something specific. Often I will group it with an added mark or comment.</a:t>
             </a:r>
           </a:p>
@@ -1041,7 +1159,95 @@
 </p:notes>
 </file>
 
-<file path=ppt/notesSlides/notesSlide5.xml><?xml version="1.0" encoding="utf-8"?>
+<file path=ppt/notesSlides/notesSlide6.xml><?xml version="1.0" encoding="utf-8"?>
+<p:notes xmlns:a="http://schemas.openxmlformats.org/drawingml/2006/main" xmlns:r="http://schemas.openxmlformats.org/officeDocument/2006/relationships" xmlns:p="http://schemas.openxmlformats.org/presentationml/2006/main">
+  <p:cSld>
+    <p:spTree>
+      <p:nvGrpSpPr>
+        <p:cNvPr id="1" name=""/>
+        <p:cNvGrpSpPr/>
+        <p:nvPr/>
+      </p:nvGrpSpPr>
+      <p:grpSpPr>
+        <a:xfrm>
+          <a:off x="0" y="0"/>
+          <a:ext cx="0" cy="0"/>
+          <a:chOff x="0" y="0"/>
+          <a:chExt cx="0" cy="0"/>
+        </a:xfrm>
+      </p:grpSpPr>
+      <p:sp>
+        <p:nvSpPr>
+          <p:cNvPr id="2" name="Slide Image Placeholder 1"/>
+          <p:cNvSpPr>
+            <a:spLocks noGrp="1" noRot="1" noChangeAspect="1"/>
+          </p:cNvSpPr>
+          <p:nvPr>
+            <p:ph type="sldImg"/>
+          </p:nvPr>
+        </p:nvSpPr>
+        <p:spPr/>
+      </p:sp>
+      <p:sp>
+        <p:nvSpPr>
+          <p:cNvPr id="3" name="Notes Placeholder 2"/>
+          <p:cNvSpPr>
+            <a:spLocks noGrp="1"/>
+          </p:cNvSpPr>
+          <p:nvPr>
+            <p:ph type="body" idx="1"/>
+          </p:nvPr>
+        </p:nvSpPr>
+        <p:spPr/>
+        <p:txBody>
+          <a:bodyPr/>
+          <a:lstStyle/>
+          <a:p>
+            <a:r>
+              <a:rPr lang="en-US" dirty="0"/>
+              <a:t>Which appear to be strongest vs weakest</a:t>
+            </a:r>
+          </a:p>
+        </p:txBody>
+      </p:sp>
+      <p:sp>
+        <p:nvSpPr>
+          <p:cNvPr id="4" name="Slide Number Placeholder 3"/>
+          <p:cNvSpPr>
+            <a:spLocks noGrp="1"/>
+          </p:cNvSpPr>
+          <p:nvPr>
+            <p:ph type="sldNum" sz="quarter" idx="5"/>
+          </p:nvPr>
+        </p:nvSpPr>
+        <p:spPr/>
+        <p:txBody>
+          <a:bodyPr/>
+          <a:lstStyle/>
+          <a:p>
+            <a:fld id="{321CD387-5C10-F04B-A125-F0EA107DEF46}" type="slidenum">
+              <a:rPr lang="en-US" smtClean="0"/>
+              <a:pPr/>
+              <a:t>18</a:t>
+            </a:fld>
+            <a:endParaRPr lang="en-US" dirty="0"/>
+          </a:p>
+        </p:txBody>
+      </p:sp>
+    </p:spTree>
+    <p:extLst>
+      <p:ext uri="{BB962C8B-B14F-4D97-AF65-F5344CB8AC3E}">
+        <p14:creationId xmlns:p14="http://schemas.microsoft.com/office/powerpoint/2010/main" val="2449372927"/>
+      </p:ext>
+    </p:extLst>
+  </p:cSld>
+  <p:clrMapOvr>
+    <a:masterClrMapping/>
+  </p:clrMapOvr>
+</p:notes>
+</file>
+
+<file path=ppt/notesSlides/notesSlide7.xml><?xml version="1.0" encoding="utf-8"?>
 <p:notes xmlns:a="http://schemas.openxmlformats.org/drawingml/2006/main" xmlns:r="http://schemas.openxmlformats.org/officeDocument/2006/relationships" xmlns:p="http://schemas.openxmlformats.org/presentationml/2006/main">
   <p:cSld>
     <p:spTree>
@@ -1319,7 +1525,7 @@
             <a:fld id="{BF2120F1-9931-5144-8579-2441D6C0DD32}" type="datetime1">
               <a:rPr lang="en-US" smtClean="0"/>
               <a:pPr/>
-              <a:t>4/14/21</a:t>
+              <a:t>4/5/23</a:t>
             </a:fld>
             <a:endParaRPr lang="en-US" dirty="0"/>
           </a:p>
@@ -1492,7 +1698,7 @@
             <a:fld id="{CCBA9B1B-521F-F040-A936-9C24B7C3F03A}" type="datetime1">
               <a:rPr lang="en-US" smtClean="0"/>
               <a:pPr/>
-              <a:t>4/14/21</a:t>
+              <a:t>4/5/23</a:t>
             </a:fld>
             <a:endParaRPr lang="en-US" dirty="0"/>
           </a:p>
@@ -1667,7 +1873,7 @@
             <a:fld id="{48A00697-3A82-494B-A2A9-9056C0181C76}" type="datetime1">
               <a:rPr lang="en-US" smtClean="0"/>
               <a:pPr/>
-              <a:t>4/14/21</a:t>
+              <a:t>4/5/23</a:t>
             </a:fld>
             <a:endParaRPr lang="en-US" dirty="0"/>
           </a:p>
@@ -1832,7 +2038,7 @@
             <a:fld id="{EED28DF4-C6BF-7F42-B138-795ED59850A4}" type="datetime1">
               <a:rPr lang="en-US" smtClean="0"/>
               <a:pPr/>
-              <a:t>4/14/21</a:t>
+              <a:t>4/5/23</a:t>
             </a:fld>
             <a:endParaRPr lang="en-US" dirty="0"/>
           </a:p>
@@ -2074,7 +2280,7 @@
             <a:fld id="{532AA17B-7185-6C44-A552-058DC86AD96F}" type="datetime1">
               <a:rPr lang="en-US" smtClean="0"/>
               <a:pPr/>
-              <a:t>4/14/21</a:t>
+              <a:t>4/5/23</a:t>
             </a:fld>
             <a:endParaRPr lang="en-US" dirty="0"/>
           </a:p>
@@ -2356,7 +2562,7 @@
             <a:fld id="{A2DFB613-38D3-1149-A0A4-2A57BFB6831E}" type="datetime1">
               <a:rPr lang="en-US" smtClean="0"/>
               <a:pPr/>
-              <a:t>4/14/21</a:t>
+              <a:t>4/5/23</a:t>
             </a:fld>
             <a:endParaRPr lang="en-US" dirty="0"/>
           </a:p>
@@ -2772,7 +2978,7 @@
             <a:fld id="{C091352F-42AA-1A4A-BD42-9B228A48C236}" type="datetime1">
               <a:rPr lang="en-US" smtClean="0"/>
               <a:pPr/>
-              <a:t>4/14/21</a:t>
+              <a:t>4/5/23</a:t>
             </a:fld>
             <a:endParaRPr lang="en-US" dirty="0"/>
           </a:p>
@@ -2886,7 +3092,7 @@
             <a:fld id="{2CEB281E-5358-9348-B9AE-FA8A5F98086C}" type="datetime1">
               <a:rPr lang="en-US" smtClean="0"/>
               <a:pPr/>
-              <a:t>4/14/21</a:t>
+              <a:t>4/5/23</a:t>
             </a:fld>
             <a:endParaRPr lang="en-US" dirty="0"/>
           </a:p>
@@ -2978,7 +3184,7 @@
             <a:fld id="{DE613C27-B94C-214A-AD40-E117D03A6D82}" type="datetime1">
               <a:rPr lang="en-US" smtClean="0"/>
               <a:pPr/>
-              <a:t>4/14/21</a:t>
+              <a:t>4/5/23</a:t>
             </a:fld>
             <a:endParaRPr lang="en-US" dirty="0"/>
           </a:p>
@@ -3250,7 +3456,7 @@
             <a:fld id="{9321218D-3333-E24A-A5A0-456EBB6100E7}" type="datetime1">
               <a:rPr lang="en-US" smtClean="0"/>
               <a:pPr/>
-              <a:t>4/14/21</a:t>
+              <a:t>4/5/23</a:t>
             </a:fld>
             <a:endParaRPr lang="en-US" dirty="0"/>
           </a:p>
@@ -3499,7 +3705,7 @@
             <a:fld id="{8AD4A7FE-19C1-714A-BBBC-D934D8657335}" type="datetime1">
               <a:rPr lang="en-US" smtClean="0"/>
               <a:pPr/>
-              <a:t>4/14/21</a:t>
+              <a:t>4/5/23</a:t>
             </a:fld>
             <a:endParaRPr lang="en-US" dirty="0"/>
           </a:p>
@@ -3707,7 +3913,7 @@
             <a:fld id="{9F9391EC-ACC5-D54E-8D06-C2561D95A2AA}" type="datetime1">
               <a:rPr lang="en-US" smtClean="0"/>
               <a:pPr/>
-              <a:t>4/14/21</a:t>
+              <a:t>4/5/23</a:t>
             </a:fld>
             <a:endParaRPr lang="en-US" dirty="0"/>
           </a:p>
@@ -5659,7 +5865,7 @@
           <p:nvPr/>
         </p:nvPicPr>
         <p:blipFill>
-          <a:blip r:embed="rId2"/>
+          <a:blip r:embed="rId3"/>
           <a:stretch>
             <a:fillRect/>
           </a:stretch>
@@ -7494,7 +7700,7 @@
           </p:nvPr>
         </p:nvPicPr>
         <p:blipFill>
-          <a:blip r:embed="rId2"/>
+          <a:blip r:embed="rId3"/>
           <a:stretch>
             <a:fillRect/>
           </a:stretch>
@@ -7537,7 +7743,7 @@
             </a:r>
             <a:r>
               <a:rPr lang="en-US" sz="1050">
-                <a:hlinkClick r:id="rId3"/>
+                <a:hlinkClick r:id="rId4"/>
               </a:rPr>
               <a:t>www.fusioncharts.com</a:t>
             </a:r>
